--- a/120 구매/108 2차 지능형 드론 멘토링 HW 구매 목록 19년 6월 V1.2.1.pptx
+++ b/120 구매/108 2차 지능형 드론 멘토링 HW 구매 목록 19년 6월 V1.2.1.pptx
@@ -23313,11 +23313,7 @@
             </a:pPr>
             <a:r>
               <a:rPr lang="ko-KR" altLang="en-US" sz="1480"/>
-              <a:t>라즈베리파이 카메라 </a:t>
-            </a:r>
-            <a:r>
-              <a:rPr lang="ko-KR" altLang="en-US" sz="1480"/>
-              <a:t>모듈 </a:t>
+              <a:t>라즈베리파이 카메라 모듈 </a:t>
             </a:r>
             <a:r>
               <a:rPr lang="en-US" altLang="ko-KR" sz="1480" smtClean="0"/>
@@ -23337,13 +23333,7 @@
               <a:rPr lang="en-US" sz="1600">
                 <a:hlinkClick r:id="rId7"/>
               </a:rPr>
-              <a:t>http</a:t>
-            </a:r>
-            <a:r>
-              <a:rPr lang="en-US" sz="1600">
-                <a:hlinkClick r:id="rId7"/>
-              </a:rPr>
-              <a:t>://</a:t>
+              <a:t>http://</a:t>
             </a:r>
             <a:r>
               <a:rPr lang="en-US" sz="1600" smtClean="0">
@@ -23594,7 +23584,7 @@
           <p:nvPr>
             <p:extLst>
               <p:ext uri="{D42A27DB-BD31-4B8C-83A1-F6EECF244321}">
-                <p14:modId xmlns:p14="http://schemas.microsoft.com/office/powerpoint/2010/main" val="3973456401"/>
+                <p14:modId xmlns:p14="http://schemas.microsoft.com/office/powerpoint/2010/main" val="2505385338"/>
               </p:ext>
             </p:extLst>
           </p:nvPr>
@@ -23861,9 +23851,10 @@
                     <a:p>
                       <a:pPr algn="ctr"/>
                       <a:r>
-                        <a:rPr lang="en-US"/>
-                        <a:t>HJ2804-X1 QAV280 280mm 4-Axis</a:t>
-                      </a:r>
+                        <a:rPr lang="en-US" smtClean="0"/>
+                        <a:t>F450</a:t>
+                      </a:r>
+                      <a:endParaRPr lang="en-US"/>
                     </a:p>
                   </a:txBody>
                   <a:tcPr marL="91450" marR="91450" marT="45725" marB="45725" anchor="ctr"/>
@@ -23883,15 +23874,23 @@
                         <a:buNone/>
                       </a:pPr>
                       <a:r>
-                        <a:rPr lang="en-US" sz="1400">
+                        <a:rPr lang="en-US" sz="1400" smtClean="0">
                           <a:solidFill>
                             <a:schemeClr val="dk1"/>
                           </a:solidFill>
                         </a:rPr>
-                        <a:t>15 </a:t>
-                      </a:r>
-                      <a:r>
-                        <a:rPr lang="ko-KR" altLang="en-US" sz="1400">
+                        <a:t>10</a:t>
+                      </a:r>
+                      <a:r>
+                        <a:rPr lang="en-US" sz="1400" baseline="0" smtClean="0">
+                          <a:solidFill>
+                            <a:schemeClr val="dk1"/>
+                          </a:solidFill>
+                        </a:rPr>
+                        <a:t> </a:t>
+                      </a:r>
+                      <a:r>
+                        <a:rPr lang="ko-KR" altLang="en-US" sz="1400" smtClean="0">
                           <a:solidFill>
                             <a:schemeClr val="dk1"/>
                           </a:solidFill>
@@ -25615,7 +25614,7 @@
         </p:spPr>
         <p:txBody>
           <a:bodyPr spcFirstLastPara="1" wrap="square" lIns="91425" tIns="45700" rIns="91425" bIns="45700" anchor="t" anchorCtr="0">
-            <a:normAutofit lnSpcReduction="10000"/>
+            <a:normAutofit fontScale="92500" lnSpcReduction="20000"/>
           </a:bodyPr>
           <a:lstStyle/>
           <a:p>
@@ -25630,7 +25629,42 @@
               <a:buChar char="•"/>
             </a:pPr>
             <a:r>
-              <a:rPr lang="ko-KR" altLang="en-US" sz="1600"/>
+              <a:rPr lang="ko-KR" altLang="en-US" sz="1600" smtClean="0"/>
+              <a:t>드론</a:t>
+            </a:r>
+            <a:r>
+              <a:rPr lang="en-US" altLang="ko-KR" sz="1600" smtClean="0"/>
+              <a:t>: F450</a:t>
+            </a:r>
+          </a:p>
+          <a:p>
+            <a:pPr marL="685800" lvl="1" indent="-228600">
+              <a:lnSpc>
+                <a:spcPct val="90000"/>
+              </a:lnSpc>
+              <a:buSzPts val="1480"/>
+            </a:pPr>
+            <a:r>
+              <a:rPr lang="en-US" sz="1600">
+                <a:hlinkClick r:id="rId3"/>
+              </a:rPr>
+              <a:t>http://www.allfirstedu.co.kr/goods/goods_view.php?goodsNo=1000001111&amp;inflow=naver&amp;NaPm=ct%3Djx5ixybc%7Cci%3De0e61ce9e241ed32f986af78597cc895c54df335%7Ctr%3Dsls%7Csn%3D422417%7Chk%3D8d88e875df09e7258a178e598e200b07152e7ace</a:t>
+            </a:r>
+            <a:endParaRPr lang="en-US" altLang="ko-KR" sz="1600" smtClean="0"/>
+          </a:p>
+          <a:p>
+            <a:pPr marL="228600" indent="-228600">
+              <a:lnSpc>
+                <a:spcPct val="90000"/>
+              </a:lnSpc>
+              <a:spcBef>
+                <a:spcPts val="500"/>
+              </a:spcBef>
+              <a:buSzPts val="1480"/>
+              <a:buChar char="•"/>
+            </a:pPr>
+            <a:r>
+              <a:rPr lang="ko-KR" altLang="en-US" sz="1600" smtClean="0"/>
               <a:t>드론 </a:t>
             </a:r>
             <a:r>
@@ -25651,7 +25685,7 @@
             </a:pPr>
             <a:r>
               <a:rPr lang="en-US" sz="1600">
-                <a:hlinkClick r:id="rId3"/>
+                <a:hlinkClick r:id="rId4"/>
               </a:rPr>
               <a:t>https://www.eleparts.co.kr/goods/view?no=4100966</a:t>
             </a:r>
@@ -25698,7 +25732,7 @@
             </a:pPr>
             <a:r>
               <a:rPr lang="en-US" sz="1600">
-                <a:hlinkClick r:id="rId4"/>
+                <a:hlinkClick r:id="rId5"/>
               </a:rPr>
               <a:t>https://www.banggood.com/ko/New-Upgraded-V2_0-3DR-Radio-Telemetry-433MHZ-915MHZ-Data-Transmission-Module-For-APM-Pixhawk-PX4-p-1304758.html?ID=510651&amp;cur_warehouse=CN</a:t>
             </a:r>
@@ -25737,7 +25771,7 @@
             </a:pPr>
             <a:r>
               <a:rPr lang="en-US" sz="1600">
-                <a:hlinkClick r:id="rId5"/>
+                <a:hlinkClick r:id="rId6"/>
               </a:rPr>
               <a:t>https://www.banggood.com/ko/20cm-30cm-Battery-ESC-XT60-Plug-Extension-Wire-Cable-Male-Female-p-1075916.html?rmmds=buy&amp;ID=517325&amp;cur_warehouse=CN</a:t>
             </a:r>
@@ -25817,7 +25851,7 @@
             </a:pPr>
             <a:r>
               <a:rPr lang="en-US" sz="1600">
-                <a:hlinkClick r:id="rId6"/>
+                <a:hlinkClick r:id="rId7"/>
               </a:rPr>
               <a:t>http://m.susungrc.com/product/vega-%EB%B2%A0%EA%B0%80-%EA%B7%B8%EB%9E%98%ED%95%80-3%EC%85%80-1300mah-35c-%EB%B0%B0%ED%84%B0%EB%A6%AC/988/category/27/display/1/</a:t>
             </a:r>
@@ -25841,11 +25875,7 @@
             </a:r>
             <a:r>
               <a:rPr lang="en-US" altLang="ko-KR" sz="1480"/>
-              <a:t>Taranis X9D </a:t>
-            </a:r>
-            <a:r>
-              <a:rPr lang="en-US" altLang="ko-KR" sz="1480"/>
-              <a:t>Plus </a:t>
+              <a:t>Taranis X9D Plus </a:t>
             </a:r>
             <a:r>
               <a:rPr lang="ko-KR" altLang="en-US" sz="1480" smtClean="0"/>
@@ -25869,19 +25899,13 @@
             </a:pPr>
             <a:r>
               <a:rPr lang="en-US" sz="1600">
-                <a:hlinkClick r:id="rId7"/>
+                <a:hlinkClick r:id="rId8"/>
               </a:rPr>
-              <a:t>http</a:t>
-            </a:r>
-            <a:r>
-              <a:rPr lang="en-US" sz="1600">
-                <a:hlinkClick r:id="rId7"/>
-              </a:rPr>
-              <a:t>://</a:t>
+              <a:t>http://</a:t>
             </a:r>
             <a:r>
               <a:rPr lang="en-US" sz="1600" smtClean="0">
-                <a:hlinkClick r:id="rId7"/>
+                <a:hlinkClick r:id="rId8"/>
               </a:rPr>
               <a:t>ercmall.co.kr/product/detail.html?product_no=5375&amp;cate_no=129&amp;display_group=1</a:t>
             </a:r>
@@ -25898,11 +25922,7 @@
             </a:pPr>
             <a:r>
               <a:rPr lang="en-US" altLang="ko-KR" sz="1600"/>
-              <a:t>FrSky </a:t>
-            </a:r>
-            <a:r>
-              <a:rPr lang="en-US" altLang="ko-KR" sz="1600"/>
-              <a:t>X8R </a:t>
+              <a:t>FrSky X8R </a:t>
             </a:r>
             <a:r>
               <a:rPr lang="ko-KR" altLang="en-US" sz="1600" smtClean="0"/>
@@ -25921,77 +25941,16 @@
             </a:pPr>
             <a:r>
               <a:rPr lang="en-US" sz="1600">
-                <a:hlinkClick r:id="rId8"/>
+                <a:hlinkClick r:id="rId9"/>
               </a:rPr>
-              <a:t>https</a:t>
-            </a:r>
-            <a:r>
-              <a:rPr lang="en-US" sz="1600">
-                <a:hlinkClick r:id="rId8"/>
-              </a:rPr>
-              <a:t>://</a:t>
+              <a:t>https://</a:t>
             </a:r>
             <a:r>
               <a:rPr lang="en-US" sz="1600" smtClean="0">
-                <a:hlinkClick r:id="rId8"/>
+                <a:hlinkClick r:id="rId9"/>
               </a:rPr>
               <a:t>smartstore.naver.com/makersplanet/products/332203774?NaPm=ct%3Djwumrvjk%7Cci%3D14f23f6ad99112b8961039e916147f0750a2acd7%7Ctr%3Dslsl%7Csn%3D307839%7Cic%3D%7Chk%3Db0d8b83f0ff7c0312d4b0c49f813bc779b6d79a0</a:t>
             </a:r>
-            <a:endParaRPr lang="en-US" sz="1600"/>
-          </a:p>
-          <a:p>
-            <a:pPr marL="285750" indent="-285750">
-              <a:lnSpc>
-                <a:spcPct val="90000"/>
-              </a:lnSpc>
-              <a:buSzPts val="1480"/>
-              <a:buFont typeface="Arial" panose="020B0604020202020204" pitchFamily="34" charset="0"/>
-              <a:buChar char="•"/>
-            </a:pPr>
-            <a:endParaRPr lang="en-US" altLang="ko-KR" sz="1480"/>
-          </a:p>
-          <a:p>
-            <a:pPr marL="379730" indent="-285750">
-              <a:lnSpc>
-                <a:spcPct val="90000"/>
-              </a:lnSpc>
-              <a:buSzPts val="1480"/>
-              <a:buFont typeface="Arial" panose="020B0604020202020204" pitchFamily="34" charset="0"/>
-              <a:buChar char="•"/>
-            </a:pPr>
-            <a:endParaRPr lang="ko-KR" altLang="en-US" sz="1480"/>
-          </a:p>
-          <a:p>
-            <a:pPr marL="285750" indent="-285750">
-              <a:lnSpc>
-                <a:spcPct val="90000"/>
-              </a:lnSpc>
-              <a:buSzPts val="1480"/>
-              <a:buFont typeface="Arial" panose="020B0604020202020204" pitchFamily="34" charset="0"/>
-              <a:buChar char="•"/>
-            </a:pPr>
-            <a:endParaRPr lang="en-US" sz="1600"/>
-          </a:p>
-          <a:p>
-            <a:pPr marL="285750" indent="-285750">
-              <a:lnSpc>
-                <a:spcPct val="90000"/>
-              </a:lnSpc>
-              <a:buSzPts val="1480"/>
-              <a:buFont typeface="Arial" panose="020B0604020202020204" pitchFamily="34" charset="0"/>
-              <a:buChar char="•"/>
-            </a:pPr>
-            <a:endParaRPr lang="en-US" sz="1600"/>
-          </a:p>
-          <a:p>
-            <a:pPr marL="285750" indent="-285750">
-              <a:lnSpc>
-                <a:spcPct val="90000"/>
-              </a:lnSpc>
-              <a:buSzPts val="1480"/>
-              <a:buFont typeface="Arial" panose="020B0604020202020204" pitchFamily="34" charset="0"/>
-              <a:buChar char="•"/>
-            </a:pPr>
             <a:endParaRPr lang="en-US" sz="1600"/>
           </a:p>
           <a:p>

--- a/120 구매/108 2차 지능형 드론 멘토링 HW 구매 목록 19년 6월 V1.2.1.pptx
+++ b/120 구매/108 2차 지능형 드론 멘토링 HW 구매 목록 19년 6월 V1.2.1.pptx
@@ -29781,7 +29781,7 @@
           <p:nvPr>
             <p:extLst>
               <p:ext uri="{D42A27DB-BD31-4B8C-83A1-F6EECF244321}">
-                <p14:modId xmlns:p14="http://schemas.microsoft.com/office/powerpoint/2010/main" val="139823882"/>
+                <p14:modId xmlns:p14="http://schemas.microsoft.com/office/powerpoint/2010/main" val="1041635083"/>
               </p:ext>
             </p:extLst>
           </p:nvPr>
@@ -31774,9 +31774,17 @@
                         </a:spcAft>
                         <a:buNone/>
                       </a:pPr>
+                      <a:r>
+                        <a:rPr lang="ko-KR" altLang="en-US" sz="1400" u="none" strike="noStrike" cap="none" smtClean="0">
+                          <a:solidFill>
+                            <a:srgbClr val="FF0000"/>
+                          </a:solidFill>
+                        </a:rPr>
+                        <a:t>스위치</a:t>
+                      </a:r>
                       <a:endParaRPr sz="1400" u="none" strike="noStrike" cap="none">
                         <a:solidFill>
-                          <a:schemeClr val="dk1"/>
+                          <a:srgbClr val="FF0000"/>
                         </a:solidFill>
                       </a:endParaRPr>
                     </a:p>
@@ -31805,9 +31813,25 @@
                         <a:buFont typeface="Calibri"/>
                         <a:buNone/>
                       </a:pPr>
+                      <a:r>
+                        <a:rPr lang="en-US" sz="1400" u="none" strike="noStrike" cap="none" smtClean="0">
+                          <a:solidFill>
+                            <a:srgbClr val="FF0000"/>
+                          </a:solidFill>
+                        </a:rPr>
+                        <a:t>XT-60 </a:t>
+                      </a:r>
+                      <a:r>
+                        <a:rPr lang="ko-KR" altLang="en-US" sz="1400" u="none" strike="noStrike" cap="none" smtClean="0">
+                          <a:solidFill>
+                            <a:srgbClr val="FF0000"/>
+                          </a:solidFill>
+                        </a:rPr>
+                        <a:t>스위치</a:t>
+                      </a:r>
                       <a:endParaRPr sz="1400" b="0" i="0" u="none" strike="noStrike" cap="none">
                         <a:solidFill>
-                          <a:schemeClr val="dk1"/>
+                          <a:srgbClr val="FF0000"/>
                         </a:solidFill>
                         <a:latin typeface="Calibri"/>
                         <a:ea typeface="Calibri"/>
@@ -31842,7 +31866,7 @@
                       </a:pPr>
                       <a:endParaRPr sz="1400" u="none" strike="noStrike" cap="none">
                         <a:solidFill>
-                          <a:schemeClr val="dk1"/>
+                          <a:srgbClr val="FF0000"/>
                         </a:solidFill>
                       </a:endParaRPr>
                     </a:p>
@@ -31871,9 +31895,17 @@
                         <a:buFont typeface="Arial"/>
                         <a:buNone/>
                       </a:pPr>
+                      <a:r>
+                        <a:rPr lang="en-US" sz="1400" u="none" strike="noStrike" cap="none" smtClean="0">
+                          <a:solidFill>
+                            <a:srgbClr val="FF0000"/>
+                          </a:solidFill>
+                        </a:rPr>
+                        <a:t>2</a:t>
+                      </a:r>
                       <a:endParaRPr sz="1400" u="none" strike="noStrike" cap="none">
                         <a:solidFill>
-                          <a:schemeClr val="dk1"/>
+                          <a:srgbClr val="FF0000"/>
                         </a:solidFill>
                       </a:endParaRPr>
                     </a:p>
@@ -33258,7 +33290,7 @@
         <p:spPr>
           <a:xfrm>
             <a:off x="681038" y="1322963"/>
-            <a:ext cx="8543923" cy="3440626"/>
+            <a:ext cx="8543923" cy="1324443"/>
           </a:xfrm>
           <a:prstGeom prst="rect">
             <a:avLst/>
@@ -33285,22 +33317,51 @@
               <a:buChar char="•"/>
             </a:pPr>
             <a:r>
-              <a:rPr lang="en-US" sz="1480"/>
-              <a:t>MavLink to FrSky </a:t>
+              <a:rPr lang="en-US" sz="1600"/>
+              <a:t>MavLink to FrSky SmartPort </a:t>
             </a:r>
             <a:r>
-              <a:rPr lang="en-US" sz="1480"/>
-              <a:t>SmartPort </a:t>
+              <a:rPr lang="en-US" sz="1600" smtClean="0"/>
+              <a:t>Converter</a:t>
+            </a:r>
+          </a:p>
+          <a:p>
+            <a:pPr marL="228600" lvl="0" indent="-228600">
+              <a:lnSpc>
+                <a:spcPct val="70000"/>
+              </a:lnSpc>
+              <a:spcBef>
+                <a:spcPts val="500"/>
+              </a:spcBef>
+              <a:buSzPts val="1480"/>
+              <a:buChar char="•"/>
+            </a:pPr>
+            <a:endParaRPr lang="en-US" sz="1600"/>
+          </a:p>
+          <a:p>
+            <a:pPr marL="228600" lvl="0" indent="-228600">
+              <a:lnSpc>
+                <a:spcPct val="70000"/>
+              </a:lnSpc>
+              <a:spcBef>
+                <a:spcPts val="500"/>
+              </a:spcBef>
+              <a:buSzPts val="1480"/>
+              <a:buChar char="•"/>
+            </a:pPr>
+            <a:r>
+              <a:rPr lang="en-US" sz="1600"/>
+              <a:t>XT-60 </a:t>
             </a:r>
             <a:r>
-              <a:rPr lang="en-US" sz="1480" smtClean="0"/>
-              <a:t>Converter</a:t>
+              <a:rPr lang="ko-KR" altLang="en-US" sz="1600"/>
+              <a:t>스위치</a:t>
             </a:r>
             <a:r>
-              <a:rPr lang="en-US" smtClean="0"/>
+              <a:rPr lang="en-US" sz="1600" smtClean="0"/>
               <a:t> </a:t>
             </a:r>
-            <a:endParaRPr sz="1480"/>
+            <a:endParaRPr sz="1600"/>
           </a:p>
           <a:p>
             <a:pPr marL="742950" lvl="1" indent="-191769" algn="l" rtl="0">
@@ -33317,7 +33378,7 @@
               <a:buFont typeface="Arial"/>
               <a:buNone/>
             </a:pPr>
-            <a:endParaRPr sz="1480"/>
+            <a:endParaRPr sz="1600"/>
           </a:p>
         </p:txBody>
       </p:sp>
@@ -33337,8 +33398,32 @@
         </p:blipFill>
         <p:spPr>
           <a:xfrm>
-            <a:off x="1597636" y="2779214"/>
-            <a:ext cx="3610479" cy="2610214"/>
+            <a:off x="1118664" y="2882827"/>
+            <a:ext cx="4074704" cy="2945828"/>
+          </a:xfrm>
+          <a:prstGeom prst="rect">
+            <a:avLst/>
+          </a:prstGeom>
+        </p:spPr>
+      </p:pic>
+      <p:pic>
+        <p:nvPicPr>
+          <p:cNvPr id="3" name="그림 2"/>
+          <p:cNvPicPr>
+            <a:picLocks noChangeAspect="1"/>
+          </p:cNvPicPr>
+          <p:nvPr/>
+        </p:nvPicPr>
+        <p:blipFill>
+          <a:blip r:embed="rId4"/>
+          <a:stretch>
+            <a:fillRect/>
+          </a:stretch>
+        </p:blipFill>
+        <p:spPr>
+          <a:xfrm>
+            <a:off x="5843452" y="2882827"/>
+            <a:ext cx="2759864" cy="2847945"/>
           </a:xfrm>
           <a:prstGeom prst="rect">
             <a:avLst/>

--- a/120 구매/108 2차 지능형 드론 멘토링 HW 구매 목록 19년 6월 V1.2.1.pptx
+++ b/120 구매/108 2차 지능형 드론 멘토링 HW 구매 목록 19년 6월 V1.2.1.pptx
@@ -260,7 +260,7 @@
       <p15:sldGuideLst xmlns:p15="http://schemas.microsoft.com/office/powerpoint/2012/main"/>
     </p:ext>
     <p:ext uri="http://customooxmlschemas.google.com/">
-      <go:slidesCustomData xmlns="" xmlns:mc="http://schemas.openxmlformats.org/markup-compatibility/2006" xmlns:mv="urn:schemas-microsoft-com:mac:vml" xmlns:c="http://schemas.openxmlformats.org/drawingml/2006/chart" xmlns:dgm="http://schemas.openxmlformats.org/drawingml/2006/diagram" xmlns:o="urn:schemas-microsoft-com:office:office" xmlns:v="urn:schemas-microsoft-com:vml" xmlns:pvml="urn:schemas-microsoft-com:office:powerpoint" xmlns:com="http://schemas.openxmlformats.org/drawingml/2006/compatibility" xmlns:p14="http://schemas.microsoft.com/office/powerpoint/2010/main" xmlns:p15="http://schemas.microsoft.com/office/powerpoint/2012/main" xmlns:go="http://customooxmlschemas.google.com/" r:id="rId19" roundtripDataSignature="AMtx7mhDtmrrjuDkfHFray89f3AzMYLLmw=="/>
+      <go:slidesCustomData xmlns:go="http://customooxmlschemas.google.com/" xmlns:p15="http://schemas.microsoft.com/office/powerpoint/2012/main" xmlns:p14="http://schemas.microsoft.com/office/powerpoint/2010/main" xmlns:com="http://schemas.openxmlformats.org/drawingml/2006/compatibility" xmlns:pvml="urn:schemas-microsoft-com:office:powerpoint" xmlns:v="urn:schemas-microsoft-com:vml" xmlns:o="urn:schemas-microsoft-com:office:office" xmlns:dgm="http://schemas.openxmlformats.org/drawingml/2006/diagram" xmlns:c="http://schemas.openxmlformats.org/drawingml/2006/chart" xmlns:mv="urn:schemas-microsoft-com:mac:vml" xmlns:mc="http://schemas.openxmlformats.org/markup-compatibility/2006" xmlns="" r:id="rId19" roundtripDataSignature="AMtx7mhDtmrrjuDkfHFray89f3AzMYLLmw=="/>
     </p:ext>
   </p:extLst>
 </p:presentation>
@@ -22550,7 +22550,7 @@
         </p:nvGraphicFramePr>
         <p:xfrm>
           <a:off x="681038" y="1255713"/>
-          <a:ext cx="3000000" cy="3000000"/>
+          <a:ext cx="8543875" cy="3754835"/>
         </p:xfrm>
         <a:graphic>
           <a:graphicData uri="http://schemas.openxmlformats.org/drawingml/2006/table">
@@ -25246,7 +25246,7 @@
         </p:nvGraphicFramePr>
         <p:xfrm>
           <a:off x="681038" y="1167320"/>
-          <a:ext cx="3000000" cy="3000000"/>
+          <a:ext cx="8543950" cy="2553670"/>
         </p:xfrm>
         <a:graphic>
           <a:graphicData uri="http://schemas.openxmlformats.org/drawingml/2006/table">

--- a/120 구매/108 2차 지능형 드론 멘토링 HW 구매 목록 19년 6월 V1.2.1.pptx
+++ b/120 구매/108 2차 지능형 드론 멘토링 HW 구매 목록 19년 6월 V1.2.1.pptx
@@ -260,7 +260,7 @@
       <p15:sldGuideLst xmlns:p15="http://schemas.microsoft.com/office/powerpoint/2012/main"/>
     </p:ext>
     <p:ext uri="http://customooxmlschemas.google.com/">
-      <go:slidesCustomData xmlns:go="http://customooxmlschemas.google.com/" xmlns:p15="http://schemas.microsoft.com/office/powerpoint/2012/main" xmlns:p14="http://schemas.microsoft.com/office/powerpoint/2010/main" xmlns:com="http://schemas.openxmlformats.org/drawingml/2006/compatibility" xmlns:pvml="urn:schemas-microsoft-com:office:powerpoint" xmlns:v="urn:schemas-microsoft-com:vml" xmlns:o="urn:schemas-microsoft-com:office:office" xmlns:dgm="http://schemas.openxmlformats.org/drawingml/2006/diagram" xmlns:c="http://schemas.openxmlformats.org/drawingml/2006/chart" xmlns:mv="urn:schemas-microsoft-com:mac:vml" xmlns:mc="http://schemas.openxmlformats.org/markup-compatibility/2006" xmlns="" r:id="rId19" roundtripDataSignature="AMtx7mhDtmrrjuDkfHFray89f3AzMYLLmw=="/>
+      <go:slidesCustomData xmlns="" xmlns:mc="http://schemas.openxmlformats.org/markup-compatibility/2006" xmlns:mv="urn:schemas-microsoft-com:mac:vml" xmlns:c="http://schemas.openxmlformats.org/drawingml/2006/chart" xmlns:dgm="http://schemas.openxmlformats.org/drawingml/2006/diagram" xmlns:o="urn:schemas-microsoft-com:office:office" xmlns:v="urn:schemas-microsoft-com:vml" xmlns:pvml="urn:schemas-microsoft-com:office:powerpoint" xmlns:com="http://schemas.openxmlformats.org/drawingml/2006/compatibility" xmlns:p14="http://schemas.microsoft.com/office/powerpoint/2010/main" xmlns:p15="http://schemas.microsoft.com/office/powerpoint/2012/main" xmlns:go="http://customooxmlschemas.google.com/" r:id="rId19" roundtripDataSignature="AMtx7mhDtmrrjuDkfHFray89f3AzMYLLmw=="/>
     </p:ext>
   </p:extLst>
 </p:presentation>
@@ -32713,19 +32713,11 @@
               <a:buChar char="•"/>
             </a:pPr>
             <a:r>
-              <a:rPr lang="ko-KR" altLang="en-US" sz="1480" u="sng" smtClean="0">
-                <a:solidFill>
-                  <a:schemeClr val="hlink"/>
-                </a:solidFill>
-              </a:rPr>
+              <a:rPr lang="ko-KR" altLang="en-US" sz="1480"/>
               <a:t>드론 </a:t>
             </a:r>
             <a:r>
-              <a:rPr lang="en-US" altLang="ko-KR" sz="1480" u="sng" smtClean="0">
-                <a:solidFill>
-                  <a:schemeClr val="hlink"/>
-                </a:solidFill>
-              </a:rPr>
+              <a:rPr lang="en-US" altLang="ko-KR" sz="1480"/>
               <a:t>: F330</a:t>
             </a:r>
           </a:p>
@@ -33668,17 +33660,22 @@
         <p:nvGraphicFramePr>
           <p:cNvPr id="143" name="Google Shape;143;p23"/>
           <p:cNvGraphicFramePr/>
-          <p:nvPr/>
+          <p:nvPr>
+            <p:extLst>
+              <p:ext uri="{D42A27DB-BD31-4B8C-83A1-F6EECF244321}">
+                <p14:modId xmlns:p14="http://schemas.microsoft.com/office/powerpoint/2010/main" val="1230672698"/>
+              </p:ext>
+            </p:extLst>
+          </p:nvPr>
         </p:nvGraphicFramePr>
         <p:xfrm>
           <a:off x="681038" y="1255709"/>
-          <a:ext cx="8543925" cy="3939476"/>
+          <a:ext cx="8543925" cy="3802650"/>
         </p:xfrm>
         <a:graphic>
           <a:graphicData uri="http://schemas.openxmlformats.org/drawingml/2006/table">
             <a:tbl>
               <a:tblPr firstRow="1" bandRow="1">
-                <a:noFill/>
                 <a:tableStyleId>{5C5E4F1C-13F9-4D5A-ACF0-85943E63A805}</a:tableStyleId>
               </a:tblPr>
               <a:tblGrid>
@@ -33689,14 +33686,14 @@
                     </a:ext>
                   </a:extLst>
                 </a:gridCol>
-                <a:gridCol w="1494375">
+                <a:gridCol w="1226063">
                   <a:extLst>
                     <a:ext uri="{9D8B030D-6E8A-4147-A177-3AD203B41FA5}">
                       <a16:colId xmlns:a16="http://schemas.microsoft.com/office/drawing/2014/main" val="20001"/>
                     </a:ext>
                   </a:extLst>
                 </a:gridCol>
-                <a:gridCol w="3668725">
+                <a:gridCol w="3937037">
                   <a:extLst>
                     <a:ext uri="{9D8B030D-6E8A-4147-A177-3AD203B41FA5}">
                       <a16:colId xmlns:a16="http://schemas.microsoft.com/office/drawing/2014/main" val="20002"/>
@@ -33937,13 +33934,7 @@
                         <a:buNone/>
                       </a:pPr>
                       <a:r>
-                        <a:rPr lang="en-US" sz="1400" b="0" i="0" u="none" strike="noStrike" cap="none">
-                          <a:solidFill>
-                            <a:schemeClr val="dk1"/>
-                          </a:solidFill>
-                          <a:latin typeface="Calibri"/>
-                          <a:ea typeface="Calibri"/>
-                          <a:cs typeface="Calibri"/>
+                        <a:rPr lang="en-US" sz="1400" u="none" strike="noStrike" cap="none">
                           <a:sym typeface="Calibri"/>
                         </a:rPr>
                         <a:t>국내</a:t>
@@ -33976,13 +33967,7 @@
                         <a:buNone/>
                       </a:pPr>
                       <a:r>
-                        <a:rPr lang="en-US" sz="1400" b="0" i="0" u="none" strike="noStrike" cap="none">
-                          <a:solidFill>
-                            <a:schemeClr val="dk1"/>
-                          </a:solidFill>
-                          <a:latin typeface="Calibri"/>
-                          <a:ea typeface="Calibri"/>
-                          <a:cs typeface="Calibri"/>
+                        <a:rPr lang="en-US" sz="1400" u="none" strike="noStrike" cap="none">
                           <a:sym typeface="Calibri"/>
                         </a:rPr>
                         <a:t>드론 모터</a:t>
@@ -34023,11 +34008,7 @@
                         <a:buNone/>
                       </a:pPr>
                       <a:r>
-                        <a:rPr lang="en-US" sz="1400" u="none" strike="noStrike" cap="none">
-                          <a:solidFill>
-                            <a:schemeClr val="dk1"/>
-                          </a:solidFill>
-                        </a:rPr>
+                        <a:rPr lang="en-US" sz="1400" u="none" strike="noStrike" cap="none"/>
                         <a:t>Bebop Drone2 </a:t>
                       </a:r>
                       <a:endParaRPr sz="1400" u="none" strike="noStrike" cap="none">
@@ -34062,11 +34043,7 @@
                         <a:buNone/>
                       </a:pPr>
                       <a:r>
-                        <a:rPr lang="en-US" sz="1400" u="none" strike="noStrike" cap="none">
-                          <a:solidFill>
-                            <a:schemeClr val="dk1"/>
-                          </a:solidFill>
-                        </a:rPr>
+                        <a:rPr lang="en-US" sz="1400" u="none" strike="noStrike" cap="none"/>
                         <a:t>13 만원</a:t>
                       </a:r>
                       <a:endParaRPr sz="1400" u="none" strike="noStrike" cap="none">
@@ -34101,11 +34078,7 @@
                         <a:buNone/>
                       </a:pPr>
                       <a:r>
-                        <a:rPr lang="en-US" sz="1400" u="none" strike="noStrike" cap="none">
-                          <a:solidFill>
-                            <a:schemeClr val="dk1"/>
-                          </a:solidFill>
-                        </a:rPr>
+                        <a:rPr lang="en-US" sz="1400" u="none" strike="noStrike" cap="none"/>
                         <a:t>1</a:t>
                       </a:r>
                       <a:endParaRPr sz="1400" u="none" strike="noStrike" cap="none">
@@ -34243,11 +34216,7 @@
                         <a:buNone/>
                       </a:pPr>
                       <a:r>
-                        <a:rPr lang="en-US" sz="1400" u="none" strike="noStrike" cap="none">
-                          <a:solidFill>
-                            <a:schemeClr val="dk1"/>
-                          </a:solidFill>
-                        </a:rPr>
+                        <a:rPr lang="en-US" sz="1400" u="none" strike="noStrike" cap="none"/>
                         <a:t>Bebop 2 Central Cross</a:t>
                       </a:r>
                       <a:endParaRPr sz="1400" u="none" strike="noStrike" cap="none">
@@ -34282,13 +34251,7 @@
                         <a:buNone/>
                       </a:pPr>
                       <a:r>
-                        <a:rPr lang="en-US" sz="1400" b="0" i="0" u="none" strike="noStrike" cap="none">
-                          <a:solidFill>
-                            <a:srgbClr val="000000"/>
-                          </a:solidFill>
-                          <a:latin typeface="Calibri"/>
-                          <a:ea typeface="Calibri"/>
-                          <a:cs typeface="Calibri"/>
+                        <a:rPr lang="en-US" sz="1400" u="none" strike="noStrike" cap="none">
                           <a:sym typeface="Calibri"/>
                         </a:rPr>
                         <a:t>2 만원</a:t>
@@ -34454,11 +34417,7 @@
                         <a:buNone/>
                       </a:pPr>
                       <a:r>
-                        <a:rPr lang="en-US" sz="1400" u="none" strike="noStrike" cap="none">
-                          <a:solidFill>
-                            <a:schemeClr val="dk1"/>
-                          </a:solidFill>
-                        </a:rPr>
+                        <a:rPr lang="en-US" sz="1400" u="none" strike="noStrike" cap="none"/>
                         <a:t>2 만원</a:t>
                       </a:r>
                       <a:endParaRPr sz="1400" u="none" strike="noStrike" cap="none">
@@ -34493,11 +34452,7 @@
                         <a:buNone/>
                       </a:pPr>
                       <a:r>
-                        <a:rPr lang="en-US" sz="1400" u="none" strike="noStrike" cap="none">
-                          <a:solidFill>
-                            <a:schemeClr val="dk1"/>
-                          </a:solidFill>
-                        </a:rPr>
+                        <a:rPr lang="en-US" sz="1400" u="none" strike="noStrike" cap="none"/>
                         <a:t>1</a:t>
                       </a:r>
                       <a:endParaRPr sz="1400" u="none" strike="noStrike" cap="none">
@@ -34768,7 +34723,7 @@
                         <a:buNone/>
                       </a:pPr>
                       <a:r>
-                        <a:rPr lang="en-US" sz="1400" b="0" u="none" strike="noStrike" cap="none"/>
+                        <a:rPr lang="en-US" sz="1400" u="none" strike="noStrike" cap="none"/>
                         <a:t>Spare Part</a:t>
                       </a:r>
                       <a:endParaRPr sz="1400" b="0" u="none" strike="noStrike" cap="none">
@@ -34803,13 +34758,7 @@
                         <a:buNone/>
                       </a:pPr>
                       <a:r>
-                        <a:rPr lang="en-US" sz="1400" b="0" u="none" strike="noStrike" cap="none">
-                          <a:solidFill>
-                            <a:schemeClr val="dk1"/>
-                          </a:solidFill>
-                          <a:latin typeface="Malgun Gothic"/>
-                          <a:ea typeface="Malgun Gothic"/>
-                          <a:cs typeface="Malgun Gothic"/>
+                        <a:rPr lang="en-US" sz="1400" u="none" strike="noStrike" cap="none">
                           <a:sym typeface="Malgun Gothic"/>
                         </a:rPr>
                         <a:t>bebop drone 2 shafts</a:t>
@@ -34850,7 +34799,7 @@
                         <a:buNone/>
                       </a:pPr>
                       <a:r>
-                        <a:rPr lang="en-US" sz="1400" b="0" u="none" strike="noStrike" cap="none"/>
+                        <a:rPr lang="en-US" sz="1400" u="none" strike="noStrike" cap="none"/>
                         <a:t>1만원</a:t>
                       </a:r>
                       <a:endParaRPr sz="1400" b="0" u="none" strike="noStrike" cap="none"/>
@@ -34881,13 +34830,7 @@
                         <a:buNone/>
                       </a:pPr>
                       <a:r>
-                        <a:rPr lang="en-US" sz="1400" b="0" u="none" strike="noStrike" cap="none">
-                          <a:solidFill>
-                            <a:schemeClr val="dk1"/>
-                          </a:solidFill>
-                          <a:latin typeface="Malgun Gothic"/>
-                          <a:ea typeface="Malgun Gothic"/>
-                          <a:cs typeface="Malgun Gothic"/>
+                        <a:rPr lang="en-US" sz="1400" u="none" strike="noStrike" cap="none">
                           <a:sym typeface="Malgun Gothic"/>
                         </a:rPr>
                         <a:t>1</a:t>
@@ -34928,7 +34871,7 @@
                         <a:buNone/>
                       </a:pPr>
                       <a:r>
-                        <a:rPr lang="en-US" sz="1400" b="0" u="none" strike="noStrike" cap="none"/>
+                        <a:rPr lang="en-US" sz="1400" u="none" strike="noStrike" cap="none"/>
                         <a:t>NAVIO 조립</a:t>
                       </a:r>
                       <a:endParaRPr sz="1400" b="0" u="none" strike="noStrike" cap="none">
@@ -35000,11 +34943,7 @@
                         <a:buNone/>
                       </a:pPr>
                       <a:r>
-                        <a:rPr lang="en-US" sz="1400" u="none" strike="noStrike" cap="none">
-                          <a:solidFill>
-                            <a:schemeClr val="dk1"/>
-                          </a:solidFill>
-                        </a:rPr>
+                        <a:rPr lang="en-US" sz="1400" u="none" strike="noStrike" cap="none"/>
                         <a:t>케이블</a:t>
                       </a:r>
                       <a:endParaRPr sz="1400" u="none" strike="noStrike" cap="none">
@@ -35034,11 +34973,7 @@
                         <a:buNone/>
                       </a:pPr>
                       <a:r>
-                        <a:rPr lang="en-US" sz="1400" u="none" strike="noStrike" cap="none">
-                          <a:solidFill>
-                            <a:schemeClr val="dk1"/>
-                          </a:solidFill>
-                        </a:rPr>
+                        <a:rPr lang="en-US" sz="1400" u="none" strike="noStrike" cap="none"/>
                         <a:t>XT-60 케이블</a:t>
                       </a:r>
                       <a:endParaRPr sz="1400" u="none" strike="noStrike" cap="none">
@@ -35068,11 +35003,7 @@
                         <a:buNone/>
                       </a:pPr>
                       <a:r>
-                        <a:rPr lang="en-US" sz="1400" u="none" strike="noStrike" cap="none">
-                          <a:solidFill>
-                            <a:schemeClr val="dk1"/>
-                          </a:solidFill>
-                        </a:rPr>
+                        <a:rPr lang="en-US" sz="1400" u="none" strike="noStrike" cap="none"/>
                         <a:t>3,000 원</a:t>
                       </a:r>
                       <a:endParaRPr sz="1400" u="none" strike="noStrike" cap="none">
@@ -35102,11 +35033,7 @@
                         <a:buNone/>
                       </a:pPr>
                       <a:r>
-                        <a:rPr lang="en-US" sz="1400" u="none" strike="noStrike" cap="none">
-                          <a:solidFill>
-                            <a:schemeClr val="dk1"/>
-                          </a:solidFill>
-                        </a:rPr>
+                        <a:rPr lang="en-US" sz="1400" u="none" strike="noStrike" cap="none"/>
                         <a:t>1</a:t>
                       </a:r>
                       <a:endParaRPr/>
@@ -35205,13 +35132,7 @@
                         <a:buNone/>
                       </a:pPr>
                       <a:r>
-                        <a:rPr lang="en-US" sz="1400" b="0" u="none" strike="noStrike" cap="none">
-                          <a:solidFill>
-                            <a:schemeClr val="dk1"/>
-                          </a:solidFill>
-                          <a:latin typeface="Malgun Gothic"/>
-                          <a:ea typeface="Malgun Gothic"/>
-                          <a:cs typeface="Malgun Gothic"/>
+                        <a:rPr lang="en-US" sz="1400" u="none" strike="noStrike" cap="none">
                           <a:sym typeface="Malgun Gothic"/>
                         </a:rPr>
                         <a:t>배터리</a:t>
@@ -35252,11 +35173,7 @@
                         <a:buNone/>
                       </a:pPr>
                       <a:r>
-                        <a:rPr lang="en-US" sz="1400" u="none" strike="noStrike" cap="none">
-                          <a:solidFill>
-                            <a:schemeClr val="dk1"/>
-                          </a:solidFill>
-                        </a:rPr>
+                        <a:rPr lang="en-US" sz="1400" u="none" strike="noStrike" cap="none"/>
                         <a:t>VEGA베가 그래핀3셀 1300mAh 35C 배터리</a:t>
                       </a:r>
                       <a:endParaRPr/>
@@ -35287,11 +35204,7 @@
                         <a:buNone/>
                       </a:pPr>
                       <a:r>
-                        <a:rPr lang="en-US" sz="1400" u="none" strike="noStrike" cap="none">
-                          <a:solidFill>
-                            <a:schemeClr val="dk1"/>
-                          </a:solidFill>
-                        </a:rPr>
+                        <a:rPr lang="en-US" sz="1400" u="none" strike="noStrike" cap="none"/>
                         <a:t> 15,000원</a:t>
                       </a:r>
                       <a:endParaRPr sz="1400" u="none" strike="noStrike" cap="none">
@@ -35326,11 +35239,7 @@
                         <a:buNone/>
                       </a:pPr>
                       <a:r>
-                        <a:rPr lang="en-US" sz="1400" u="none" strike="noStrike" cap="none">
-                          <a:solidFill>
-                            <a:schemeClr val="dk1"/>
-                          </a:solidFill>
-                        </a:rPr>
+                        <a:rPr lang="en-US" sz="1400" u="none" strike="noStrike" cap="none"/>
                         <a:t>1</a:t>
                       </a:r>
                       <a:endParaRPr sz="1400" u="none" strike="noStrike" cap="none">
@@ -35360,11 +35269,7 @@
                         <a:buNone/>
                       </a:pPr>
                       <a:r>
-                        <a:rPr lang="en-US" sz="1400" u="none" strike="noStrike" cap="none">
-                          <a:solidFill>
-                            <a:schemeClr val="dk1"/>
-                          </a:solidFill>
-                        </a:rPr>
+                        <a:rPr lang="en-US" sz="1400" u="none" strike="noStrike" cap="none"/>
                         <a:t>NAVIO 조립</a:t>
                       </a:r>
                       <a:endParaRPr sz="1400" u="none" strike="sngStrike" cap="none">
@@ -35437,13 +35342,7 @@
                         <a:buNone/>
                       </a:pPr>
                       <a:r>
-                        <a:rPr lang="en-US" sz="1400" b="0" u="none" strike="noStrike" cap="none">
-                          <a:solidFill>
-                            <a:schemeClr val="dk1"/>
-                          </a:solidFill>
-                          <a:latin typeface="Malgun Gothic"/>
-                          <a:ea typeface="Malgun Gothic"/>
-                          <a:cs typeface="Malgun Gothic"/>
+                        <a:rPr lang="en-US" sz="1400" u="none" strike="noStrike" cap="none">
                           <a:sym typeface="Malgun Gothic"/>
                         </a:rPr>
                         <a:t>ESC</a:t>
@@ -35466,7 +35365,7 @@
                     <a:bodyPr/>
                     <a:lstStyle/>
                     <a:p>
-                      <a:pPr marL="0" lvl="0" indent="0" algn="l" rtl="0">
+                      <a:pPr marL="0" lvl="0" indent="0" algn="ctr" rtl="0">
                         <a:lnSpc>
                           <a:spcPct val="115000"/>
                         </a:lnSpc>
@@ -35484,15 +35383,12 @@
                         <a:buNone/>
                       </a:pPr>
                       <a:r>
-                        <a:rPr lang="en-US" sz="1300" b="1">
-                          <a:latin typeface="Arial"/>
-                          <a:ea typeface="Arial"/>
-                          <a:cs typeface="Arial"/>
+                        <a:rPr lang="en-US" sz="1300">
                           <a:sym typeface="Arial"/>
                         </a:rPr>
                         <a:t>12A BL ESC for FPV Racing(OneShot 125/BEC)</a:t>
                       </a:r>
-                      <a:endParaRPr/>
+                      <a:endParaRPr b="0"/>
                     </a:p>
                   </a:txBody>
                   <a:tcPr marL="91450" marR="91450" marT="45725" marB="45725" anchor="ctr"/>

--- a/120 구매/108 2차 지능형 드론 멘토링 HW 구매 목록 19년 6월 V1.2.1.pptx
+++ b/120 구매/108 2차 지능형 드론 멘토링 HW 구매 목록 19년 6월 V1.2.1.pptx
@@ -260,7 +260,7 @@
       <p15:sldGuideLst xmlns:p15="http://schemas.microsoft.com/office/powerpoint/2012/main"/>
     </p:ext>
     <p:ext uri="http://customooxmlschemas.google.com/">
-      <go:slidesCustomData xmlns="" xmlns:mc="http://schemas.openxmlformats.org/markup-compatibility/2006" xmlns:mv="urn:schemas-microsoft-com:mac:vml" xmlns:c="http://schemas.openxmlformats.org/drawingml/2006/chart" xmlns:dgm="http://schemas.openxmlformats.org/drawingml/2006/diagram" xmlns:o="urn:schemas-microsoft-com:office:office" xmlns:v="urn:schemas-microsoft-com:vml" xmlns:pvml="urn:schemas-microsoft-com:office:powerpoint" xmlns:com="http://schemas.openxmlformats.org/drawingml/2006/compatibility" xmlns:p14="http://schemas.microsoft.com/office/powerpoint/2010/main" xmlns:p15="http://schemas.microsoft.com/office/powerpoint/2012/main" xmlns:go="http://customooxmlschemas.google.com/" r:id="rId19" roundtripDataSignature="AMtx7mhDtmrrjuDkfHFray89f3AzMYLLmw=="/>
+      <go:slidesCustomData xmlns:go="http://customooxmlschemas.google.com/" xmlns:p15="http://schemas.microsoft.com/office/powerpoint/2012/main" xmlns:p14="http://schemas.microsoft.com/office/powerpoint/2010/main" xmlns:com="http://schemas.openxmlformats.org/drawingml/2006/compatibility" xmlns:pvml="urn:schemas-microsoft-com:office:powerpoint" xmlns:v="urn:schemas-microsoft-com:vml" xmlns:o="urn:schemas-microsoft-com:office:office" xmlns:dgm="http://schemas.openxmlformats.org/drawingml/2006/diagram" xmlns:c="http://schemas.openxmlformats.org/drawingml/2006/chart" xmlns:mv="urn:schemas-microsoft-com:mac:vml" xmlns:mc="http://schemas.openxmlformats.org/markup-compatibility/2006" xmlns="" r:id="rId19" roundtripDataSignature="AMtx7mhDtmrrjuDkfHFray89f3AzMYLLmw=="/>
     </p:ext>
   </p:extLst>
 </p:presentation>
@@ -27164,7 +27164,7 @@
           <p:nvPr>
             <p:extLst>
               <p:ext uri="{D42A27DB-BD31-4B8C-83A1-F6EECF244321}">
-                <p14:modId xmlns:p14="http://schemas.microsoft.com/office/powerpoint/2010/main" val="3248043696"/>
+                <p14:modId xmlns:p14="http://schemas.microsoft.com/office/powerpoint/2010/main" val="2841846855"/>
               </p:ext>
             </p:extLst>
           </p:nvPr>
@@ -27651,12 +27651,12 @@
                         <a:buNone/>
                       </a:pPr>
                       <a:r>
-                        <a:rPr lang="en-US" sz="1400" b="1" u="none" strike="noStrike" cap="none">
+                        <a:rPr lang="en-US" sz="1400" b="1" u="none" strike="noStrike" cap="none" smtClean="0">
                           <a:solidFill>
                             <a:srgbClr val="00B050"/>
                           </a:solidFill>
                         </a:rPr>
-                        <a:t>5</a:t>
+                        <a:t>4</a:t>
                       </a:r>
                       <a:endParaRPr sz="1400" b="1" u="none" strike="noStrike" cap="none">
                         <a:solidFill>
@@ -28431,12 +28431,12 @@
                         <a:buNone/>
                       </a:pPr>
                       <a:r>
-                        <a:rPr lang="en-US" sz="1400" u="none" strike="noStrike" cap="none">
+                        <a:rPr lang="en-US" sz="1400" u="none" strike="noStrike" cap="none" smtClean="0">
                           <a:solidFill>
                             <a:schemeClr val="dk1"/>
                           </a:solidFill>
                         </a:rPr>
-                        <a:t>5</a:t>
+                        <a:t>4</a:t>
                       </a:r>
                       <a:endParaRPr sz="1400" u="none" strike="noStrike" cap="none">
                         <a:solidFill>
@@ -29781,14 +29781,14 @@
           <p:nvPr>
             <p:extLst>
               <p:ext uri="{D42A27DB-BD31-4B8C-83A1-F6EECF244321}">
-                <p14:modId xmlns:p14="http://schemas.microsoft.com/office/powerpoint/2010/main" val="1041635083"/>
+                <p14:modId xmlns:p14="http://schemas.microsoft.com/office/powerpoint/2010/main" val="3033866750"/>
               </p:ext>
             </p:extLst>
           </p:nvPr>
         </p:nvGraphicFramePr>
         <p:xfrm>
           <a:off x="681038" y="1255713"/>
-          <a:ext cx="8543924" cy="5431990"/>
+          <a:ext cx="8543924" cy="4614515"/>
         </p:xfrm>
         <a:graphic>
           <a:graphicData uri="http://schemas.openxmlformats.org/drawingml/2006/table">
@@ -29798,55 +29798,48 @@
                 <a:tableStyleId>{5C5E4F1C-13F9-4D5A-ACF0-85943E63A805}</a:tableStyleId>
               </a:tblPr>
               <a:tblGrid>
-                <a:gridCol w="505039">
+                <a:gridCol w="583550">
                   <a:extLst>
                     <a:ext uri="{9D8B030D-6E8A-4147-A177-3AD203B41FA5}">
                       <a16:colId xmlns:a16="http://schemas.microsoft.com/office/drawing/2014/main" val="20000"/>
                     </a:ext>
                   </a:extLst>
                 </a:gridCol>
-                <a:gridCol w="1609374">
+                <a:gridCol w="1366504">
                   <a:extLst>
                     <a:ext uri="{9D8B030D-6E8A-4147-A177-3AD203B41FA5}">
                       <a16:colId xmlns:a16="http://schemas.microsoft.com/office/drawing/2014/main" val="20001"/>
                     </a:ext>
                   </a:extLst>
                 </a:gridCol>
-                <a:gridCol w="3135086">
+                <a:gridCol w="4161594">
                   <a:extLst>
                     <a:ext uri="{9D8B030D-6E8A-4147-A177-3AD203B41FA5}">
                       <a16:colId xmlns:a16="http://schemas.microsoft.com/office/drawing/2014/main" val="20002"/>
                     </a:ext>
                   </a:extLst>
                 </a:gridCol>
-                <a:gridCol w="870857">
+                <a:gridCol w="960150">
                   <a:extLst>
                     <a:ext uri="{9D8B030D-6E8A-4147-A177-3AD203B41FA5}">
                       <a16:colId xmlns:a16="http://schemas.microsoft.com/office/drawing/2014/main" val="20003"/>
                     </a:ext>
                   </a:extLst>
                 </a:gridCol>
-                <a:gridCol w="687977">
+                <a:gridCol w="794927">
                   <a:extLst>
                     <a:ext uri="{9D8B030D-6E8A-4147-A177-3AD203B41FA5}">
                       <a16:colId xmlns:a16="http://schemas.microsoft.com/office/drawing/2014/main" val="20004"/>
                     </a:ext>
                   </a:extLst>
                 </a:gridCol>
-                <a:gridCol w="586088">
+                <a:gridCol w="677199">
                   <a:extLst>
                     <a:ext uri="{9D8B030D-6E8A-4147-A177-3AD203B41FA5}">
                       <a16:colId xmlns:a16="http://schemas.microsoft.com/office/drawing/2014/main" val="1758555379"/>
                     </a:ext>
                   </a:extLst>
                 </a:gridCol>
-                <a:gridCol w="1149503">
-                  <a:extLst>
-                    <a:ext uri="{9D8B030D-6E8A-4147-A177-3AD203B41FA5}">
-                      <a16:colId xmlns:a16="http://schemas.microsoft.com/office/drawing/2014/main" val="20005"/>
-                    </a:ext>
-                  </a:extLst>
-                </a:gridCol>
               </a:tblGrid>
               <a:tr h="548850">
                 <a:tc>
@@ -30029,37 +30022,6 @@
                       <a:r>
                         <a:rPr lang="ko-KR" altLang="en-US" sz="1400" u="none" strike="noStrike" cap="none" smtClean="0"/>
                         <a:t>구매</a:t>
-                      </a:r>
-                      <a:endParaRPr sz="1400" u="none" strike="noStrike" cap="none"/>
-                    </a:p>
-                  </a:txBody>
-                  <a:tcPr marL="91450" marR="91450" marT="45725" marB="45725" anchor="ctr"/>
-                </a:tc>
-                <a:tc>
-                  <a:txBody>
-                    <a:bodyPr/>
-                    <a:lstStyle/>
-                    <a:p>
-                      <a:pPr marL="0" marR="0" lvl="0" indent="0" algn="ctr" rtl="0">
-                        <a:lnSpc>
-                          <a:spcPct val="100000"/>
-                        </a:lnSpc>
-                        <a:spcBef>
-                          <a:spcPts val="0"/>
-                        </a:spcBef>
-                        <a:spcAft>
-                          <a:spcPts val="0"/>
-                        </a:spcAft>
-                        <a:buClr>
-                          <a:schemeClr val="dk1"/>
-                        </a:buClr>
-                        <a:buSzPts val="1400"/>
-                        <a:buFont typeface="Calibri"/>
-                        <a:buNone/>
-                      </a:pPr>
-                      <a:r>
-                        <a:rPr lang="en-US" sz="1400" u="none" strike="noStrike" cap="none"/>
-                        <a:t>비교</a:t>
                       </a:r>
                       <a:endParaRPr sz="1400" u="none" strike="noStrike" cap="none"/>
                     </a:p>
@@ -30221,12 +30183,12 @@
                         <a:buNone/>
                       </a:pPr>
                       <a:r>
-                        <a:rPr lang="en-US" sz="1400" u="none" strike="noStrike" cap="none">
+                        <a:rPr lang="en-US" sz="1400" u="none" strike="noStrike" cap="none" smtClean="0">
                           <a:solidFill>
                             <a:schemeClr val="dk1"/>
                           </a:solidFill>
                         </a:rPr>
-                        <a:t>1</a:t>
+                        <a:t>4</a:t>
                       </a:r>
                       <a:endParaRPr sz="1400" u="none" strike="noStrike" cap="none">
                         <a:solidFill>
@@ -30257,32 +30219,6 @@
                       <a:r>
                         <a:rPr lang="ko-KR" altLang="en-US" sz="1400" u="none" strike="noStrike" cap="none" smtClean="0"/>
                         <a:t>완료</a:t>
-                      </a:r>
-                      <a:endParaRPr sz="1400" u="none" strike="noStrike" cap="none"/>
-                    </a:p>
-                  </a:txBody>
-                  <a:tcPr marL="91450" marR="91450" marT="45725" marB="45725" anchor="ctr"/>
-                </a:tc>
-                <a:tc>
-                  <a:txBody>
-                    <a:bodyPr/>
-                    <a:lstStyle/>
-                    <a:p>
-                      <a:pPr marL="0" marR="0" lvl="0" indent="0" algn="ctr" rtl="0">
-                        <a:lnSpc>
-                          <a:spcPct val="100000"/>
-                        </a:lnSpc>
-                        <a:spcBef>
-                          <a:spcPts val="0"/>
-                        </a:spcBef>
-                        <a:spcAft>
-                          <a:spcPts val="0"/>
-                        </a:spcAft>
-                        <a:buNone/>
-                      </a:pPr>
-                      <a:r>
-                        <a:rPr lang="en-US" sz="1400" u="none" strike="noStrike" cap="none"/>
-                        <a:t>NAVIO 조립</a:t>
                       </a:r>
                       <a:endParaRPr sz="1400" u="none" strike="noStrike" cap="none"/>
                     </a:p>
@@ -30475,12 +30411,12 @@
                         <a:buNone/>
                       </a:pPr>
                       <a:r>
-                        <a:rPr lang="en-US" sz="1400" u="none" strike="noStrike" cap="none">
+                        <a:rPr lang="en-US" sz="1400" u="none" strike="noStrike" cap="none" smtClean="0">
                           <a:solidFill>
                             <a:schemeClr val="dk1"/>
                           </a:solidFill>
                         </a:rPr>
-                        <a:t>1</a:t>
+                        <a:t>4</a:t>
                       </a:r>
                       <a:endParaRPr sz="1400" u="none" strike="noStrike" cap="none">
                         <a:solidFill>
@@ -30511,40 +30447,6 @@
                       <a:r>
                         <a:rPr lang="ko-KR" altLang="en-US" sz="1400" u="none" strike="noStrike" cap="none" smtClean="0"/>
                         <a:t>완료</a:t>
-                      </a:r>
-                      <a:endParaRPr sz="1400" u="none" strike="sngStrike" cap="none">
-                        <a:solidFill>
-                          <a:schemeClr val="dk1"/>
-                        </a:solidFill>
-                      </a:endParaRPr>
-                    </a:p>
-                  </a:txBody>
-                  <a:tcPr marL="91450" marR="91450" marT="45725" marB="45725" anchor="ctr"/>
-                </a:tc>
-                <a:tc>
-                  <a:txBody>
-                    <a:bodyPr/>
-                    <a:lstStyle/>
-                    <a:p>
-                      <a:pPr marL="0" marR="0" lvl="0" indent="0" algn="ctr" rtl="0">
-                        <a:lnSpc>
-                          <a:spcPct val="100000"/>
-                        </a:lnSpc>
-                        <a:spcBef>
-                          <a:spcPts val="0"/>
-                        </a:spcBef>
-                        <a:spcAft>
-                          <a:spcPts val="0"/>
-                        </a:spcAft>
-                        <a:buNone/>
-                      </a:pPr>
-                      <a:r>
-                        <a:rPr lang="en-US" sz="1400" u="none" strike="noStrike" cap="none">
-                          <a:solidFill>
-                            <a:schemeClr val="dk1"/>
-                          </a:solidFill>
-                        </a:rPr>
-                        <a:t>NAVIO 조립</a:t>
                       </a:r>
                       <a:endParaRPr sz="1400" u="none" strike="sngStrike" cap="none">
                         <a:solidFill>
@@ -30641,7 +30543,31 @@
                             <a:schemeClr val="dk1"/>
                           </a:solidFill>
                         </a:rPr>
-                        <a:t>XT-60 케이블</a:t>
+                        <a:t>XT-60 </a:t>
+                      </a:r>
+                      <a:r>
+                        <a:rPr lang="en-US" sz="1400" u="none" strike="noStrike" cap="none" smtClean="0">
+                          <a:solidFill>
+                            <a:schemeClr val="dk1"/>
+                          </a:solidFill>
+                        </a:rPr>
+                        <a:t>케이블(</a:t>
+                      </a:r>
+                      <a:r>
+                        <a:rPr lang="ko-KR" altLang="en-US" sz="1400" u="none" strike="noStrike" cap="none" smtClean="0">
+                          <a:solidFill>
+                            <a:schemeClr val="dk1"/>
+                          </a:solidFill>
+                        </a:rPr>
+                        <a:t>스위치</a:t>
+                      </a:r>
+                      <a:r>
+                        <a:rPr lang="en-US" altLang="ko-KR" sz="1400" u="none" strike="noStrike" cap="none" smtClean="0">
+                          <a:solidFill>
+                            <a:schemeClr val="dk1"/>
+                          </a:solidFill>
+                        </a:rPr>
+                        <a:t>)</a:t>
                       </a:r>
                       <a:endParaRPr sz="1400" u="none" strike="noStrike" cap="none">
                         <a:solidFill>
@@ -30704,12 +30630,12 @@
                         <a:buNone/>
                       </a:pPr>
                       <a:r>
-                        <a:rPr lang="en-US" sz="1400" u="none" strike="noStrike" cap="none">
+                        <a:rPr lang="en-US" sz="1400" u="none" strike="noStrike" cap="none" smtClean="0">
                           <a:solidFill>
                             <a:schemeClr val="dk1"/>
                           </a:solidFill>
                         </a:rPr>
-                        <a:t>1</a:t>
+                        <a:t>4</a:t>
                       </a:r>
                       <a:endParaRPr/>
                     </a:p>
@@ -30746,36 +30672,6 @@
                   </a:txBody>
                   <a:tcPr marL="91450" marR="91450" marT="45725" marB="45725" anchor="ctr"/>
                 </a:tc>
-                <a:tc>
-                  <a:txBody>
-                    <a:bodyPr/>
-                    <a:lstStyle/>
-                    <a:p>
-                      <a:pPr marL="0" marR="0" lvl="0" indent="0" algn="ctr" rtl="0">
-                        <a:lnSpc>
-                          <a:spcPct val="100000"/>
-                        </a:lnSpc>
-                        <a:spcBef>
-                          <a:spcPts val="0"/>
-                        </a:spcBef>
-                        <a:spcAft>
-                          <a:spcPts val="0"/>
-                        </a:spcAft>
-                        <a:buNone/>
-                      </a:pPr>
-                      <a:r>
-                        <a:rPr lang="en-US" sz="1400" u="none" strike="noStrike" cap="none"/>
-                        <a:t>NAVIO 조립</a:t>
-                      </a:r>
-                      <a:endParaRPr sz="1400" u="none" strike="noStrike" cap="none">
-                        <a:solidFill>
-                          <a:schemeClr val="dk1"/>
-                        </a:solidFill>
-                      </a:endParaRPr>
-                    </a:p>
-                  </a:txBody>
-                  <a:tcPr marL="91450" marR="91450" marT="45725" marB="45725" anchor="ctr"/>
-                </a:tc>
                 <a:extLst>
                   <a:ext uri="{0D108BD9-81ED-4DB2-BD59-A6C34878D82A}">
                     <a16:rowId xmlns:a16="http://schemas.microsoft.com/office/drawing/2014/main" val="10003"/>
@@ -30800,959 +30696,7 @@
                         </a:spcAft>
                         <a:buNone/>
                       </a:pPr>
-                      <a:endParaRPr sz="1400" u="none" strike="noStrike" cap="none"/>
-                    </a:p>
-                  </a:txBody>
-                  <a:tcPr marL="91450" marR="91450" marT="45725" marB="45725" anchor="ctr"/>
-                </a:tc>
-                <a:tc>
-                  <a:txBody>
-                    <a:bodyPr/>
-                    <a:lstStyle/>
-                    <a:p>
-                      <a:pPr marL="0" marR="0" lvl="0" indent="0" algn="ctr" rtl="0">
-                        <a:lnSpc>
-                          <a:spcPct val="100000"/>
-                        </a:lnSpc>
-                        <a:spcBef>
-                          <a:spcPts val="0"/>
-                        </a:spcBef>
-                        <a:spcAft>
-                          <a:spcPts val="0"/>
-                        </a:spcAft>
-                        <a:buNone/>
-                      </a:pPr>
-                      <a:r>
-                        <a:rPr lang="en-US" sz="1400" u="none" strike="noStrike" cap="none">
-                          <a:solidFill>
-                            <a:srgbClr val="FF0000"/>
-                          </a:solidFill>
-                        </a:rPr>
-                        <a:t>Telemetry</a:t>
-                      </a:r>
-                      <a:endParaRPr>
-                        <a:solidFill>
-                          <a:srgbClr val="FF0000"/>
-                        </a:solidFill>
-                      </a:endParaRPr>
-                    </a:p>
-                  </a:txBody>
-                  <a:tcPr marL="91450" marR="91450" marT="45725" marB="45725" anchor="ctr"/>
-                </a:tc>
-                <a:tc>
-                  <a:txBody>
-                    <a:bodyPr/>
-                    <a:lstStyle/>
-                    <a:p>
-                      <a:pPr marL="0" marR="0" lvl="0" indent="0" algn="ctr" rtl="0">
-                        <a:lnSpc>
-                          <a:spcPct val="100000"/>
-                        </a:lnSpc>
-                        <a:spcBef>
-                          <a:spcPts val="0"/>
-                        </a:spcBef>
-                        <a:spcAft>
-                          <a:spcPts val="0"/>
-                        </a:spcAft>
-                        <a:buClr>
-                          <a:schemeClr val="dk1"/>
-                        </a:buClr>
-                        <a:buSzPts val="1400"/>
-                        <a:buFont typeface="Calibri"/>
-                        <a:buNone/>
-                      </a:pPr>
-                      <a:r>
-                        <a:rPr lang="en-US" sz="1400" b="0" i="0" u="none" strike="noStrike" cap="none">
-                          <a:solidFill>
-                            <a:srgbClr val="FF0000"/>
-                          </a:solidFill>
-                          <a:latin typeface="Calibri"/>
-                          <a:ea typeface="Calibri"/>
-                          <a:cs typeface="Calibri"/>
-                          <a:sym typeface="Calibri"/>
-                        </a:rPr>
-                        <a:t>3DR 무선 텔레 메트리 433MHZ Pixhawk PX4 용 데이터 전송 모듈 - 433Mhz </a:t>
-                      </a:r>
-                      <a:endParaRPr sz="1400" b="0" i="0" u="none" strike="noStrike" cap="none">
-                        <a:solidFill>
-                          <a:srgbClr val="FF0000"/>
-                        </a:solidFill>
-                        <a:latin typeface="Calibri"/>
-                        <a:ea typeface="Calibri"/>
-                        <a:cs typeface="Calibri"/>
-                        <a:sym typeface="Calibri"/>
-                      </a:endParaRPr>
-                    </a:p>
-                  </a:txBody>
-                  <a:tcPr marL="91450" marR="91450" marT="45725" marB="45725" anchor="ctr"/>
-                </a:tc>
-                <a:tc>
-                  <a:txBody>
-                    <a:bodyPr/>
-                    <a:lstStyle/>
-                    <a:p>
-                      <a:pPr marL="0" marR="0" lvl="0" indent="0" algn="r" rtl="0">
-                        <a:lnSpc>
-                          <a:spcPct val="100000"/>
-                        </a:lnSpc>
-                        <a:spcBef>
-                          <a:spcPts val="0"/>
-                        </a:spcBef>
-                        <a:spcAft>
-                          <a:spcPts val="0"/>
-                        </a:spcAft>
-                        <a:buClr>
-                          <a:srgbClr val="000000"/>
-                        </a:buClr>
-                        <a:buSzPts val="1400"/>
-                        <a:buFont typeface="Arial"/>
-                        <a:buNone/>
-                      </a:pPr>
-                      <a:r>
-                        <a:rPr lang="en-US" sz="1400" u="none" strike="noStrike" cap="none">
-                          <a:solidFill>
-                            <a:srgbClr val="FF0000"/>
-                          </a:solidFill>
-                        </a:rPr>
-                        <a:t> 4 만원</a:t>
-                      </a:r>
-                      <a:endParaRPr sz="1400" u="none" strike="noStrike" cap="none">
-                        <a:solidFill>
-                          <a:srgbClr val="FF0000"/>
-                        </a:solidFill>
-                      </a:endParaRPr>
-                    </a:p>
-                  </a:txBody>
-                  <a:tcPr marL="91450" marR="91450" marT="45725" marB="45725" anchor="ctr"/>
-                </a:tc>
-                <a:tc>
-                  <a:txBody>
-                    <a:bodyPr/>
-                    <a:lstStyle/>
-                    <a:p>
-                      <a:pPr marL="0" marR="0" lvl="0" indent="0" algn="ctr" rtl="0">
-                        <a:lnSpc>
-                          <a:spcPct val="100000"/>
-                        </a:lnSpc>
-                        <a:spcBef>
-                          <a:spcPts val="0"/>
-                        </a:spcBef>
-                        <a:spcAft>
-                          <a:spcPts val="0"/>
-                        </a:spcAft>
-                        <a:buClr>
-                          <a:srgbClr val="000000"/>
-                        </a:buClr>
-                        <a:buSzPts val="1400"/>
-                        <a:buFont typeface="Arial"/>
-                        <a:buNone/>
-                      </a:pPr>
-                      <a:r>
-                        <a:rPr lang="en-US" sz="1400" u="none" strike="noStrike" cap="none" smtClean="0">
-                          <a:solidFill>
-                            <a:srgbClr val="FF0000"/>
-                          </a:solidFill>
-                        </a:rPr>
-                        <a:t>2</a:t>
-                      </a:r>
-                      <a:endParaRPr sz="1400" u="none" strike="noStrike" cap="none">
-                        <a:solidFill>
-                          <a:srgbClr val="FF0000"/>
-                        </a:solidFill>
-                      </a:endParaRPr>
-                    </a:p>
-                  </a:txBody>
-                  <a:tcPr marL="91450" marR="91450" marT="45725" marB="45725" anchor="ctr"/>
-                </a:tc>
-                <a:tc>
-                  <a:txBody>
-                    <a:bodyPr/>
-                    <a:lstStyle/>
-                    <a:p>
-                      <a:pPr marL="0" marR="0" lvl="0" indent="0" algn="ctr" rtl="0">
-                        <a:lnSpc>
-                          <a:spcPct val="100000"/>
-                        </a:lnSpc>
-                        <a:spcBef>
-                          <a:spcPts val="0"/>
-                        </a:spcBef>
-                        <a:spcAft>
-                          <a:spcPts val="0"/>
-                        </a:spcAft>
-                        <a:buNone/>
-                      </a:pPr>
-                      <a:endParaRPr sz="1400" u="none" strike="noStrike" cap="none">
-                        <a:solidFill>
-                          <a:srgbClr val="FF0000"/>
-                        </a:solidFill>
-                      </a:endParaRPr>
-                    </a:p>
-                  </a:txBody>
-                  <a:tcPr marL="91450" marR="91450" marT="45725" marB="45725" anchor="ctr"/>
-                </a:tc>
-                <a:tc>
-                  <a:txBody>
-                    <a:bodyPr/>
-                    <a:lstStyle/>
-                    <a:p>
-                      <a:pPr marL="0" marR="0" lvl="0" indent="0" algn="ctr" rtl="0">
-                        <a:lnSpc>
-                          <a:spcPct val="100000"/>
-                        </a:lnSpc>
-                        <a:spcBef>
-                          <a:spcPts val="0"/>
-                        </a:spcBef>
-                        <a:spcAft>
-                          <a:spcPts val="0"/>
-                        </a:spcAft>
-                        <a:buNone/>
-                      </a:pPr>
-                      <a:r>
-                        <a:rPr lang="en-US" sz="1400" u="none" strike="noStrike" cap="none">
-                          <a:solidFill>
-                            <a:srgbClr val="FF0000"/>
-                          </a:solidFill>
-                        </a:rPr>
-                        <a:t>NAVIO 조립</a:t>
-                      </a:r>
-                      <a:endParaRPr sz="1400" u="none" strike="noStrike" cap="none">
-                        <a:solidFill>
-                          <a:srgbClr val="FF0000"/>
-                        </a:solidFill>
-                      </a:endParaRPr>
-                    </a:p>
-                  </a:txBody>
-                  <a:tcPr marL="91450" marR="91450" marT="45725" marB="45725" anchor="ctr"/>
-                </a:tc>
-                <a:extLst>
-                  <a:ext uri="{0D108BD9-81ED-4DB2-BD59-A6C34878D82A}">
-                    <a16:rowId xmlns:a16="http://schemas.microsoft.com/office/drawing/2014/main" val="10004"/>
-                  </a:ext>
-                </a:extLst>
-              </a:tr>
-              <a:tr h="432850">
-                <a:tc>
-                  <a:txBody>
-                    <a:bodyPr/>
-                    <a:lstStyle/>
-                    <a:p>
-                      <a:pPr marL="0" marR="0" lvl="0" indent="0" algn="l" rtl="0">
-                        <a:lnSpc>
-                          <a:spcPct val="100000"/>
-                        </a:lnSpc>
-                        <a:spcBef>
-                          <a:spcPts val="0"/>
-                        </a:spcBef>
-                        <a:spcAft>
-                          <a:spcPts val="0"/>
-                        </a:spcAft>
-                        <a:buNone/>
-                      </a:pPr>
-                      <a:endParaRPr sz="1400" u="none" strike="noStrike" cap="none"/>
-                    </a:p>
-                  </a:txBody>
-                  <a:tcPr marL="91450" marR="91450" marT="45725" marB="45725" anchor="ctr"/>
-                </a:tc>
-                <a:tc>
-                  <a:txBody>
-                    <a:bodyPr/>
-                    <a:lstStyle/>
-                    <a:p>
-                      <a:pPr marL="0" marR="0" lvl="0" indent="0" algn="ctr" rtl="0">
-                        <a:lnSpc>
-                          <a:spcPct val="100000"/>
-                        </a:lnSpc>
-                        <a:spcBef>
-                          <a:spcPts val="0"/>
-                        </a:spcBef>
-                        <a:spcAft>
-                          <a:spcPts val="0"/>
-                        </a:spcAft>
-                        <a:buNone/>
-                      </a:pPr>
-                      <a:r>
-                        <a:rPr lang="en-US" sz="1400" u="none" strike="noStrike" cap="none">
-                          <a:solidFill>
-                            <a:schemeClr val="tx1">
-                              <a:lumMod val="65000"/>
-                              <a:lumOff val="35000"/>
-                            </a:schemeClr>
-                          </a:solidFill>
-                        </a:rPr>
-                        <a:t>PPM RC 조정기</a:t>
-                      </a:r>
-                      <a:endParaRPr sz="1400" u="none" strike="noStrike" cap="none">
-                        <a:solidFill>
-                          <a:schemeClr val="tx1">
-                            <a:lumMod val="65000"/>
-                            <a:lumOff val="35000"/>
-                          </a:schemeClr>
-                        </a:solidFill>
-                      </a:endParaRPr>
-                    </a:p>
-                  </a:txBody>
-                  <a:tcPr marL="91450" marR="91450" marT="45725" marB="45725" anchor="ctr"/>
-                </a:tc>
-                <a:tc>
-                  <a:txBody>
-                    <a:bodyPr/>
-                    <a:lstStyle/>
-                    <a:p>
-                      <a:pPr marL="0" marR="0" lvl="0" indent="0" algn="ctr" rtl="0">
-                        <a:lnSpc>
-                          <a:spcPct val="100000"/>
-                        </a:lnSpc>
-                        <a:spcBef>
-                          <a:spcPts val="0"/>
-                        </a:spcBef>
-                        <a:spcAft>
-                          <a:spcPts val="0"/>
-                        </a:spcAft>
-                        <a:buNone/>
-                      </a:pPr>
-                      <a:r>
-                        <a:rPr lang="en-US" sz="1400" u="none" strike="noStrike" cap="none">
-                          <a:solidFill>
-                            <a:schemeClr val="tx1">
-                              <a:lumMod val="65000"/>
-                              <a:lumOff val="35000"/>
-                            </a:schemeClr>
-                          </a:solidFill>
-                        </a:rPr>
-                        <a:t>FrSky Taranis X9D Plus Transmitter</a:t>
-                      </a:r>
-                      <a:endParaRPr sz="1400" u="none" strike="noStrike" cap="none">
-                        <a:solidFill>
-                          <a:schemeClr val="tx1">
-                            <a:lumMod val="65000"/>
-                            <a:lumOff val="35000"/>
-                          </a:schemeClr>
-                        </a:solidFill>
-                      </a:endParaRPr>
-                    </a:p>
-                  </a:txBody>
-                  <a:tcPr marL="91450" marR="91450" marT="45725" marB="45725" anchor="ctr"/>
-                </a:tc>
-                <a:tc>
-                  <a:txBody>
-                    <a:bodyPr/>
-                    <a:lstStyle/>
-                    <a:p>
-                      <a:pPr marL="0" marR="0" lvl="0" indent="0" algn="r" rtl="0">
-                        <a:lnSpc>
-                          <a:spcPct val="100000"/>
-                        </a:lnSpc>
-                        <a:spcBef>
-                          <a:spcPts val="0"/>
-                        </a:spcBef>
-                        <a:spcAft>
-                          <a:spcPts val="0"/>
-                        </a:spcAft>
-                        <a:buNone/>
-                      </a:pPr>
-                      <a:r>
-                        <a:rPr lang="en-US" sz="1400" u="none" strike="noStrike" cap="none">
-                          <a:solidFill>
-                            <a:schemeClr val="tx1">
-                              <a:lumMod val="65000"/>
-                              <a:lumOff val="35000"/>
-                            </a:schemeClr>
-                          </a:solidFill>
-                        </a:rPr>
-                        <a:t>27 만원</a:t>
-                      </a:r>
-                      <a:endParaRPr sz="1400" u="none" strike="noStrike" cap="none">
-                        <a:solidFill>
-                          <a:schemeClr val="tx1">
-                            <a:lumMod val="65000"/>
-                            <a:lumOff val="35000"/>
-                          </a:schemeClr>
-                        </a:solidFill>
-                      </a:endParaRPr>
-                    </a:p>
-                  </a:txBody>
-                  <a:tcPr marL="91450" marR="91450" marT="45725" marB="45725" anchor="ctr"/>
-                </a:tc>
-                <a:tc>
-                  <a:txBody>
-                    <a:bodyPr/>
-                    <a:lstStyle/>
-                    <a:p>
-                      <a:pPr marL="0" marR="0" lvl="0" indent="0" algn="ctr" rtl="0">
-                        <a:lnSpc>
-                          <a:spcPct val="100000"/>
-                        </a:lnSpc>
-                        <a:spcBef>
-                          <a:spcPts val="0"/>
-                        </a:spcBef>
-                        <a:spcAft>
-                          <a:spcPts val="0"/>
-                        </a:spcAft>
-                        <a:buNone/>
-                      </a:pPr>
-                      <a:r>
-                        <a:rPr lang="en-US" sz="1400" u="none" strike="noStrike" cap="none">
-                          <a:solidFill>
-                            <a:schemeClr val="tx1">
-                              <a:lumMod val="65000"/>
-                              <a:lumOff val="35000"/>
-                            </a:schemeClr>
-                          </a:solidFill>
-                        </a:rPr>
-                        <a:t>1</a:t>
-                      </a:r>
-                      <a:endParaRPr>
-                        <a:solidFill>
-                          <a:schemeClr val="tx1">
-                            <a:lumMod val="65000"/>
-                            <a:lumOff val="35000"/>
-                          </a:schemeClr>
-                        </a:solidFill>
-                      </a:endParaRPr>
-                    </a:p>
-                  </a:txBody>
-                  <a:tcPr marL="91450" marR="91450" marT="45725" marB="45725" anchor="ctr"/>
-                </a:tc>
-                <a:tc>
-                  <a:txBody>
-                    <a:bodyPr/>
-                    <a:lstStyle/>
-                    <a:p>
-                      <a:pPr marL="0" marR="0" lvl="0" indent="0" algn="ctr" rtl="0">
-                        <a:lnSpc>
-                          <a:spcPct val="100000"/>
-                        </a:lnSpc>
-                        <a:spcBef>
-                          <a:spcPts val="0"/>
-                        </a:spcBef>
-                        <a:spcAft>
-                          <a:spcPts val="0"/>
-                        </a:spcAft>
-                        <a:buNone/>
-                      </a:pPr>
-                      <a:r>
-                        <a:rPr lang="ko-KR" altLang="en-US" sz="1400" u="none" strike="noStrike" cap="none" smtClean="0">
-                          <a:solidFill>
-                            <a:schemeClr val="tx1">
-                              <a:lumMod val="65000"/>
-                              <a:lumOff val="35000"/>
-                            </a:schemeClr>
-                          </a:solidFill>
-                        </a:rPr>
-                        <a:t>완료</a:t>
-                      </a:r>
-                      <a:endParaRPr sz="1400" u="none" strike="noStrike" cap="none">
-                        <a:solidFill>
-                          <a:schemeClr val="tx1">
-                            <a:lumMod val="65000"/>
-                            <a:lumOff val="35000"/>
-                          </a:schemeClr>
-                        </a:solidFill>
-                      </a:endParaRPr>
-                    </a:p>
-                  </a:txBody>
-                  <a:tcPr marL="91450" marR="91450" marT="45725" marB="45725" anchor="ctr"/>
-                </a:tc>
-                <a:tc>
-                  <a:txBody>
-                    <a:bodyPr/>
-                    <a:lstStyle/>
-                    <a:p>
-                      <a:pPr marL="0" marR="0" lvl="0" indent="0" algn="ctr" rtl="0">
-                        <a:lnSpc>
-                          <a:spcPct val="100000"/>
-                        </a:lnSpc>
-                        <a:spcBef>
-                          <a:spcPts val="0"/>
-                        </a:spcBef>
-                        <a:spcAft>
-                          <a:spcPts val="0"/>
-                        </a:spcAft>
-                        <a:buNone/>
-                      </a:pPr>
-                      <a:r>
-                        <a:rPr lang="en-US" sz="1400" u="none" strike="noStrike" cap="none">
-                          <a:solidFill>
-                            <a:schemeClr val="tx1">
-                              <a:lumMod val="65000"/>
-                              <a:lumOff val="35000"/>
-                            </a:schemeClr>
-                          </a:solidFill>
-                        </a:rPr>
-                        <a:t>NAVIO 조립</a:t>
-                      </a:r>
-                      <a:endParaRPr sz="1400" u="none" strike="noStrike" cap="none">
-                        <a:solidFill>
-                          <a:schemeClr val="tx1">
-                            <a:lumMod val="65000"/>
-                            <a:lumOff val="35000"/>
-                          </a:schemeClr>
-                        </a:solidFill>
-                      </a:endParaRPr>
-                    </a:p>
-                  </a:txBody>
-                  <a:tcPr marL="91450" marR="91450" marT="45725" marB="45725" anchor="ctr"/>
-                </a:tc>
-                <a:extLst>
-                  <a:ext uri="{0D108BD9-81ED-4DB2-BD59-A6C34878D82A}">
-                    <a16:rowId xmlns:a16="http://schemas.microsoft.com/office/drawing/2014/main" val="4108209139"/>
-                  </a:ext>
-                </a:extLst>
-              </a:tr>
-              <a:tr h="432850">
-                <a:tc>
-                  <a:txBody>
-                    <a:bodyPr/>
-                    <a:lstStyle/>
-                    <a:p>
-                      <a:pPr marL="0" marR="0" lvl="0" indent="0" algn="l" rtl="0">
-                        <a:lnSpc>
-                          <a:spcPct val="100000"/>
-                        </a:lnSpc>
-                        <a:spcBef>
-                          <a:spcPts val="0"/>
-                        </a:spcBef>
-                        <a:spcAft>
-                          <a:spcPts val="0"/>
-                        </a:spcAft>
-                        <a:buNone/>
-                      </a:pPr>
-                      <a:endParaRPr sz="1400" u="none" strike="noStrike" cap="none">
-                        <a:solidFill>
-                          <a:schemeClr val="dk1"/>
-                        </a:solidFill>
-                      </a:endParaRPr>
-                    </a:p>
-                  </a:txBody>
-                  <a:tcPr marL="91450" marR="91450" marT="45725" marB="45725" anchor="ctr"/>
-                </a:tc>
-                <a:tc>
-                  <a:txBody>
-                    <a:bodyPr/>
-                    <a:lstStyle/>
-                    <a:p>
-                      <a:pPr marL="0" marR="0" lvl="0" indent="0" algn="ctr" rtl="0">
-                        <a:lnSpc>
-                          <a:spcPct val="100000"/>
-                        </a:lnSpc>
-                        <a:spcBef>
-                          <a:spcPts val="0"/>
-                        </a:spcBef>
-                        <a:spcAft>
-                          <a:spcPts val="0"/>
-                        </a:spcAft>
-                        <a:buNone/>
-                      </a:pPr>
-                      <a:r>
-                        <a:rPr lang="en-US" sz="1400" u="none" strike="noStrike" cap="none">
-                          <a:solidFill>
-                            <a:schemeClr val="tx1">
-                              <a:lumMod val="65000"/>
-                              <a:lumOff val="35000"/>
-                            </a:schemeClr>
-                          </a:solidFill>
-                        </a:rPr>
-                        <a:t>PPM RC 수신기</a:t>
-                      </a:r>
-                      <a:endParaRPr sz="1400" u="none" strike="noStrike" cap="none">
-                        <a:solidFill>
-                          <a:schemeClr val="tx1">
-                            <a:lumMod val="65000"/>
-                            <a:lumOff val="35000"/>
-                          </a:schemeClr>
-                        </a:solidFill>
-                      </a:endParaRPr>
-                    </a:p>
-                  </a:txBody>
-                  <a:tcPr marL="91450" marR="91450" marT="45725" marB="45725" anchor="ctr"/>
-                </a:tc>
-                <a:tc>
-                  <a:txBody>
-                    <a:bodyPr/>
-                    <a:lstStyle/>
-                    <a:p>
-                      <a:pPr marL="0" marR="0" lvl="0" indent="0" algn="ctr" rtl="0">
-                        <a:lnSpc>
-                          <a:spcPct val="100000"/>
-                        </a:lnSpc>
-                        <a:spcBef>
-                          <a:spcPts val="0"/>
-                        </a:spcBef>
-                        <a:spcAft>
-                          <a:spcPts val="0"/>
-                        </a:spcAft>
-                        <a:buClr>
-                          <a:schemeClr val="dk1"/>
-                        </a:buClr>
-                        <a:buSzPts val="1400"/>
-                        <a:buFont typeface="Calibri"/>
-                        <a:buNone/>
-                      </a:pPr>
-                      <a:r>
-                        <a:rPr lang="en-US" sz="1400" u="none" strike="noStrike" cap="none">
-                          <a:solidFill>
-                            <a:schemeClr val="tx1">
-                              <a:lumMod val="65000"/>
-                              <a:lumOff val="35000"/>
-                            </a:schemeClr>
-                          </a:solidFill>
-                        </a:rPr>
-                        <a:t>FrSky X8R Receiver</a:t>
-                      </a:r>
-                      <a:endParaRPr sz="1400" b="0" i="0" u="none" strike="noStrike" cap="none">
-                        <a:solidFill>
-                          <a:schemeClr val="tx1">
-                            <a:lumMod val="65000"/>
-                            <a:lumOff val="35000"/>
-                          </a:schemeClr>
-                        </a:solidFill>
-                        <a:latin typeface="Calibri"/>
-                        <a:ea typeface="Calibri"/>
-                        <a:cs typeface="Calibri"/>
-                        <a:sym typeface="Calibri"/>
-                      </a:endParaRPr>
-                    </a:p>
-                  </a:txBody>
-                  <a:tcPr marL="91450" marR="91450" marT="45725" marB="45725" anchor="ctr"/>
-                </a:tc>
-                <a:tc>
-                  <a:txBody>
-                    <a:bodyPr/>
-                    <a:lstStyle/>
-                    <a:p>
-                      <a:pPr marL="0" marR="0" lvl="0" indent="0" algn="r" rtl="0">
-                        <a:lnSpc>
-                          <a:spcPct val="100000"/>
-                        </a:lnSpc>
-                        <a:spcBef>
-                          <a:spcPts val="0"/>
-                        </a:spcBef>
-                        <a:spcAft>
-                          <a:spcPts val="0"/>
-                        </a:spcAft>
-                        <a:buClr>
-                          <a:srgbClr val="000000"/>
-                        </a:buClr>
-                        <a:buSzPts val="1400"/>
-                        <a:buFont typeface="Arial"/>
-                        <a:buNone/>
-                      </a:pPr>
-                      <a:r>
-                        <a:rPr lang="en-US" sz="1400" u="none" strike="noStrike" cap="none">
-                          <a:solidFill>
-                            <a:schemeClr val="tx1">
-                              <a:lumMod val="65000"/>
-                              <a:lumOff val="35000"/>
-                            </a:schemeClr>
-                          </a:solidFill>
-                        </a:rPr>
-                        <a:t>6 만원</a:t>
-                      </a:r>
-                      <a:endParaRPr sz="1400" u="none" strike="noStrike" cap="none">
-                        <a:solidFill>
-                          <a:schemeClr val="tx1">
-                            <a:lumMod val="65000"/>
-                            <a:lumOff val="35000"/>
-                          </a:schemeClr>
-                        </a:solidFill>
-                      </a:endParaRPr>
-                    </a:p>
-                  </a:txBody>
-                  <a:tcPr marL="91450" marR="91450" marT="45725" marB="45725" anchor="ctr"/>
-                </a:tc>
-                <a:tc>
-                  <a:txBody>
-                    <a:bodyPr/>
-                    <a:lstStyle/>
-                    <a:p>
-                      <a:pPr marL="0" marR="0" lvl="0" indent="0" algn="ctr" rtl="0">
-                        <a:lnSpc>
-                          <a:spcPct val="100000"/>
-                        </a:lnSpc>
-                        <a:spcBef>
-                          <a:spcPts val="0"/>
-                        </a:spcBef>
-                        <a:spcAft>
-                          <a:spcPts val="0"/>
-                        </a:spcAft>
-                        <a:buClr>
-                          <a:srgbClr val="000000"/>
-                        </a:buClr>
-                        <a:buSzPts val="1400"/>
-                        <a:buFont typeface="Arial"/>
-                        <a:buNone/>
-                      </a:pPr>
-                      <a:r>
-                        <a:rPr lang="en-US" sz="1400" u="none" strike="noStrike" cap="none">
-                          <a:solidFill>
-                            <a:schemeClr val="tx1">
-                              <a:lumMod val="65000"/>
-                              <a:lumOff val="35000"/>
-                            </a:schemeClr>
-                          </a:solidFill>
-                        </a:rPr>
-                        <a:t>1</a:t>
-                      </a:r>
-                      <a:endParaRPr sz="1400" u="none" strike="noStrike" cap="none">
-                        <a:solidFill>
-                          <a:schemeClr val="tx1">
-                            <a:lumMod val="65000"/>
-                            <a:lumOff val="35000"/>
-                          </a:schemeClr>
-                        </a:solidFill>
-                      </a:endParaRPr>
-                    </a:p>
-                  </a:txBody>
-                  <a:tcPr marL="91450" marR="91450" marT="45725" marB="45725" anchor="ctr"/>
-                </a:tc>
-                <a:tc>
-                  <a:txBody>
-                    <a:bodyPr/>
-                    <a:lstStyle/>
-                    <a:p>
-                      <a:pPr marL="0" marR="0" lvl="0" indent="0" algn="ctr" rtl="0">
-                        <a:lnSpc>
-                          <a:spcPct val="100000"/>
-                        </a:lnSpc>
-                        <a:spcBef>
-                          <a:spcPts val="0"/>
-                        </a:spcBef>
-                        <a:spcAft>
-                          <a:spcPts val="0"/>
-                        </a:spcAft>
-                        <a:buNone/>
-                      </a:pPr>
-                      <a:r>
-                        <a:rPr lang="ko-KR" altLang="en-US" sz="1400" u="none" strike="noStrike" cap="none" smtClean="0">
-                          <a:solidFill>
-                            <a:schemeClr val="tx1">
-                              <a:lumMod val="65000"/>
-                              <a:lumOff val="35000"/>
-                            </a:schemeClr>
-                          </a:solidFill>
-                        </a:rPr>
-                        <a:t>완료</a:t>
-                      </a:r>
-                      <a:endParaRPr sz="1400" u="none" strike="noStrike" cap="none">
-                        <a:solidFill>
-                          <a:schemeClr val="tx1">
-                            <a:lumMod val="65000"/>
-                            <a:lumOff val="35000"/>
-                          </a:schemeClr>
-                        </a:solidFill>
-                      </a:endParaRPr>
-                    </a:p>
-                  </a:txBody>
-                  <a:tcPr marL="91450" marR="91450" marT="45725" marB="45725" anchor="ctr"/>
-                </a:tc>
-                <a:tc>
-                  <a:txBody>
-                    <a:bodyPr/>
-                    <a:lstStyle/>
-                    <a:p>
-                      <a:pPr marL="0" marR="0" lvl="0" indent="0" algn="ctr" rtl="0">
-                        <a:lnSpc>
-                          <a:spcPct val="100000"/>
-                        </a:lnSpc>
-                        <a:spcBef>
-                          <a:spcPts val="0"/>
-                        </a:spcBef>
-                        <a:spcAft>
-                          <a:spcPts val="0"/>
-                        </a:spcAft>
-                        <a:buNone/>
-                      </a:pPr>
-                      <a:r>
-                        <a:rPr lang="en-US" sz="1400" u="none" strike="noStrike" cap="none">
-                          <a:solidFill>
-                            <a:schemeClr val="tx1">
-                              <a:lumMod val="65000"/>
-                              <a:lumOff val="35000"/>
-                            </a:schemeClr>
-                          </a:solidFill>
-                        </a:rPr>
-                        <a:t>NAVIO 조립</a:t>
-                      </a:r>
-                      <a:endParaRPr sz="1400" u="none" strike="noStrike" cap="none">
-                        <a:solidFill>
-                          <a:schemeClr val="tx1">
-                            <a:lumMod val="65000"/>
-                            <a:lumOff val="35000"/>
-                          </a:schemeClr>
-                        </a:solidFill>
-                      </a:endParaRPr>
-                    </a:p>
-                  </a:txBody>
-                  <a:tcPr marL="91450" marR="91450" marT="45725" marB="45725" anchor="ctr"/>
-                </a:tc>
-                <a:extLst>
-                  <a:ext uri="{0D108BD9-81ED-4DB2-BD59-A6C34878D82A}">
-                    <a16:rowId xmlns:a16="http://schemas.microsoft.com/office/drawing/2014/main" val="10005"/>
-                  </a:ext>
-                </a:extLst>
-              </a:tr>
-              <a:tr h="432850">
-                <a:tc>
-                  <a:txBody>
-                    <a:bodyPr/>
-                    <a:lstStyle/>
-                    <a:p>
-                      <a:pPr marL="0" marR="0" lvl="0" indent="0" algn="l" rtl="0">
-                        <a:lnSpc>
-                          <a:spcPct val="100000"/>
-                        </a:lnSpc>
-                        <a:spcBef>
-                          <a:spcPts val="0"/>
-                        </a:spcBef>
-                        <a:spcAft>
-                          <a:spcPts val="0"/>
-                        </a:spcAft>
-                        <a:buNone/>
-                      </a:pPr>
-                      <a:endParaRPr sz="1400" u="none" strike="noStrike" cap="none"/>
-                    </a:p>
-                  </a:txBody>
-                  <a:tcPr marL="91450" marR="91450" marT="45725" marB="45725" anchor="ctr"/>
-                </a:tc>
-                <a:tc>
-                  <a:txBody>
-                    <a:bodyPr/>
-                    <a:lstStyle/>
-                    <a:p>
-                      <a:pPr algn="ctr"/>
-                      <a:r>
-                        <a:rPr lang="en-US" smtClean="0">
-                          <a:solidFill>
-                            <a:srgbClr val="FF0000"/>
-                          </a:solidFill>
-                        </a:rPr>
-                        <a:t>SmartPort Converter</a:t>
-                      </a:r>
-                      <a:endParaRPr lang="en-US">
-                        <a:solidFill>
-                          <a:srgbClr val="FF0000"/>
-                        </a:solidFill>
-                      </a:endParaRPr>
-                    </a:p>
-                  </a:txBody>
-                  <a:tcPr marL="91450" marR="91450" marT="45725" marB="45725" anchor="ctr"/>
-                </a:tc>
-                <a:tc>
-                  <a:txBody>
-                    <a:bodyPr/>
-                    <a:lstStyle/>
-                    <a:p>
-                      <a:r>
-                        <a:rPr lang="en-US" sz="1400" b="0" i="0" u="none" strike="noStrike" cap="none" baseline="0" smtClean="0">
-                          <a:solidFill>
-                            <a:srgbClr val="FF0000"/>
-                          </a:solidFill>
-                          <a:latin typeface="Calibri"/>
-                          <a:ea typeface="Calibri"/>
-                          <a:cs typeface="Calibri"/>
-                          <a:sym typeface="Arial"/>
-                        </a:rPr>
-                        <a:t>MavLink to FrSky SmartPort Converter</a:t>
-                      </a:r>
-                      <a:endParaRPr lang="en-US">
-                        <a:solidFill>
-                          <a:srgbClr val="FF0000"/>
-                        </a:solidFill>
-                      </a:endParaRPr>
-                    </a:p>
-                  </a:txBody>
-                  <a:tcPr marL="91450" marR="91450" marT="45725" marB="45725" anchor="ctr"/>
-                </a:tc>
-                <a:tc>
-                  <a:txBody>
-                    <a:bodyPr/>
-                    <a:lstStyle/>
-                    <a:p>
-                      <a:endParaRPr lang="en-US">
-                        <a:solidFill>
-                          <a:srgbClr val="FF0000"/>
-                        </a:solidFill>
-                      </a:endParaRPr>
-                    </a:p>
-                  </a:txBody>
-                  <a:tcPr marL="91450" marR="91450" marT="45725" marB="45725" anchor="ctr"/>
-                </a:tc>
-                <a:tc>
-                  <a:txBody>
-                    <a:bodyPr/>
-                    <a:lstStyle/>
-                    <a:p>
-                      <a:pPr algn="ctr"/>
-                      <a:r>
-                        <a:rPr lang="en-US" smtClean="0">
-                          <a:solidFill>
-                            <a:srgbClr val="FF0000"/>
-                          </a:solidFill>
-                        </a:rPr>
-                        <a:t>1</a:t>
-                      </a:r>
-                      <a:endParaRPr lang="en-US">
-                        <a:solidFill>
-                          <a:srgbClr val="FF0000"/>
-                        </a:solidFill>
-                      </a:endParaRPr>
-                    </a:p>
-                  </a:txBody>
-                  <a:tcPr marL="91450" marR="91450" marT="45725" marB="45725" anchor="ctr"/>
-                </a:tc>
-                <a:tc>
-                  <a:txBody>
-                    <a:bodyPr/>
-                    <a:lstStyle/>
-                    <a:p>
-                      <a:endParaRPr lang="en-US">
-                        <a:solidFill>
-                          <a:srgbClr val="FF0000"/>
-                        </a:solidFill>
-                      </a:endParaRPr>
-                    </a:p>
-                  </a:txBody>
-                  <a:tcPr marL="91450" marR="91450" marT="45725" marB="45725" anchor="ctr"/>
-                </a:tc>
-                <a:tc>
-                  <a:txBody>
-                    <a:bodyPr/>
-                    <a:lstStyle/>
-                    <a:p>
-                      <a:endParaRPr lang="en-US">
-                        <a:solidFill>
-                          <a:srgbClr val="FF0000"/>
-                        </a:solidFill>
-                      </a:endParaRPr>
-                    </a:p>
-                  </a:txBody>
-                  <a:tcPr marL="91450" marR="91450" marT="45725" marB="45725" anchor="ctr"/>
-                </a:tc>
-                <a:extLst>
-                  <a:ext uri="{0D108BD9-81ED-4DB2-BD59-A6C34878D82A}">
-                    <a16:rowId xmlns:a16="http://schemas.microsoft.com/office/drawing/2014/main" val="10006"/>
-                  </a:ext>
-                </a:extLst>
-              </a:tr>
-              <a:tr h="432850">
-                <a:tc>
-                  <a:txBody>
-                    <a:bodyPr/>
-                    <a:lstStyle/>
-                    <a:p>
-                      <a:pPr marL="0" marR="0" lvl="0" indent="0" algn="l" rtl="0">
-                        <a:lnSpc>
-                          <a:spcPct val="100000"/>
-                        </a:lnSpc>
-                        <a:spcBef>
-                          <a:spcPts val="0"/>
-                        </a:spcBef>
-                        <a:spcAft>
-                          <a:spcPts val="0"/>
-                        </a:spcAft>
-                        <a:buNone/>
-                      </a:pPr>
-                      <a:endParaRPr sz="1400" u="none" strike="noStrike" cap="none"/>
+                      <a:endParaRPr sz="1400" u="none" strike="sngStrike" cap="none"/>
                     </a:p>
                   </a:txBody>
                   <a:tcPr marL="91450" marR="91450" marT="45725" marB="45725" anchor="ctr"/>
@@ -31814,20 +30758,16 @@
                         <a:buNone/>
                       </a:pPr>
                       <a:r>
-                        <a:rPr lang="en-US" sz="1400" u="none" strike="noStrike" cap="none" smtClean="0">
+                        <a:rPr lang="ko-KR" altLang="en-US" sz="1400" b="0" i="0" u="none" strike="noStrike" cap="none" smtClean="0">
                           <a:solidFill>
                             <a:srgbClr val="FF0000"/>
                           </a:solidFill>
+                          <a:latin typeface="Calibri"/>
+                          <a:ea typeface="Calibri"/>
+                          <a:cs typeface="Calibri"/>
+                          <a:sym typeface="Arial"/>
                         </a:rPr>
-                        <a:t>XT-60 </a:t>
-                      </a:r>
-                      <a:r>
-                        <a:rPr lang="ko-KR" altLang="en-US" sz="1400" u="none" strike="noStrike" cap="none" smtClean="0">
-                          <a:solidFill>
-                            <a:srgbClr val="FF0000"/>
-                          </a:solidFill>
-                        </a:rPr>
-                        <a:t>스위치</a:t>
+                        <a:t>똑딱이 스위치</a:t>
                       </a:r>
                       <a:endParaRPr sz="1400" b="0" i="0" u="none" strike="noStrike" cap="none">
                         <a:solidFill>
@@ -31901,7 +30841,7 @@
                             <a:srgbClr val="FF0000"/>
                           </a:solidFill>
                         </a:rPr>
-                        <a:t>2</a:t>
+                        <a:t>6</a:t>
                       </a:r>
                       <a:endParaRPr sz="1400" u="none" strike="noStrike" cap="none">
                         <a:solidFill>
@@ -31938,12 +30878,462 @@
                   </a:txBody>
                   <a:tcPr marL="91450" marR="91450" marT="45725" marB="45725" anchor="ctr"/>
                 </a:tc>
+                <a:extLst>
+                  <a:ext uri="{0D108BD9-81ED-4DB2-BD59-A6C34878D82A}">
+                    <a16:rowId xmlns:a16="http://schemas.microsoft.com/office/drawing/2014/main" val="2242766764"/>
+                  </a:ext>
+                </a:extLst>
+              </a:tr>
+              <a:tr h="432850">
+                <a:tc>
+                  <a:txBody>
+                    <a:bodyPr/>
+                    <a:lstStyle/>
+                    <a:p>
+                      <a:pPr marL="0" marR="0" lvl="0" indent="0" algn="l" rtl="0">
+                        <a:lnSpc>
+                          <a:spcPct val="100000"/>
+                        </a:lnSpc>
+                        <a:spcBef>
+                          <a:spcPts val="0"/>
+                        </a:spcBef>
+                        <a:spcAft>
+                          <a:spcPts val="0"/>
+                        </a:spcAft>
+                        <a:buNone/>
+                      </a:pPr>
+                      <a:endParaRPr sz="1400" u="none" strike="sngStrike" cap="none"/>
+                    </a:p>
+                  </a:txBody>
+                  <a:tcPr marL="91450" marR="91450" marT="45725" marB="45725" anchor="ctr"/>
+                </a:tc>
                 <a:tc>
                   <a:txBody>
                     <a:bodyPr/>
                     <a:lstStyle/>
                     <a:p>
                       <a:pPr marL="0" marR="0" lvl="0" indent="0" algn="ctr" rtl="0">
+                        <a:lnSpc>
+                          <a:spcPct val="100000"/>
+                        </a:lnSpc>
+                        <a:spcBef>
+                          <a:spcPts val="0"/>
+                        </a:spcBef>
+                        <a:spcAft>
+                          <a:spcPts val="0"/>
+                        </a:spcAft>
+                        <a:buNone/>
+                      </a:pPr>
+                      <a:r>
+                        <a:rPr lang="en-US" sz="1400" u="none" strike="sngStrike" cap="none">
+                          <a:solidFill>
+                            <a:srgbClr val="FF0000"/>
+                          </a:solidFill>
+                        </a:rPr>
+                        <a:t>Telemetry</a:t>
+                      </a:r>
+                      <a:endParaRPr strike="sngStrike">
+                        <a:solidFill>
+                          <a:srgbClr val="FF0000"/>
+                        </a:solidFill>
+                      </a:endParaRPr>
+                    </a:p>
+                  </a:txBody>
+                  <a:tcPr marL="91450" marR="91450" marT="45725" marB="45725" anchor="ctr"/>
+                </a:tc>
+                <a:tc>
+                  <a:txBody>
+                    <a:bodyPr/>
+                    <a:lstStyle/>
+                    <a:p>
+                      <a:pPr marL="0" marR="0" lvl="0" indent="0" algn="ctr" rtl="0">
+                        <a:lnSpc>
+                          <a:spcPct val="100000"/>
+                        </a:lnSpc>
+                        <a:spcBef>
+                          <a:spcPts val="0"/>
+                        </a:spcBef>
+                        <a:spcAft>
+                          <a:spcPts val="0"/>
+                        </a:spcAft>
+                        <a:buClr>
+                          <a:schemeClr val="dk1"/>
+                        </a:buClr>
+                        <a:buSzPts val="1400"/>
+                        <a:buFont typeface="Calibri"/>
+                        <a:buNone/>
+                      </a:pPr>
+                      <a:r>
+                        <a:rPr lang="en-US" sz="1400" b="0" i="0" u="none" strike="sngStrike" cap="none">
+                          <a:solidFill>
+                            <a:srgbClr val="FF0000"/>
+                          </a:solidFill>
+                          <a:latin typeface="Calibri"/>
+                          <a:ea typeface="Calibri"/>
+                          <a:cs typeface="Calibri"/>
+                          <a:sym typeface="Calibri"/>
+                        </a:rPr>
+                        <a:t>3DR 무선 텔레 메트리 433MHZ Pixhawk PX4 용 데이터 전송 모듈 - 433Mhz </a:t>
+                      </a:r>
+                      <a:endParaRPr sz="1400" b="0" i="0" u="none" strike="sngStrike" cap="none">
+                        <a:solidFill>
+                          <a:srgbClr val="FF0000"/>
+                        </a:solidFill>
+                        <a:latin typeface="Calibri"/>
+                        <a:ea typeface="Calibri"/>
+                        <a:cs typeface="Calibri"/>
+                        <a:sym typeface="Calibri"/>
+                      </a:endParaRPr>
+                    </a:p>
+                  </a:txBody>
+                  <a:tcPr marL="91450" marR="91450" marT="45725" marB="45725" anchor="ctr"/>
+                </a:tc>
+                <a:tc>
+                  <a:txBody>
+                    <a:bodyPr/>
+                    <a:lstStyle/>
+                    <a:p>
+                      <a:pPr marL="0" marR="0" lvl="0" indent="0" algn="r" rtl="0">
+                        <a:lnSpc>
+                          <a:spcPct val="100000"/>
+                        </a:lnSpc>
+                        <a:spcBef>
+                          <a:spcPts val="0"/>
+                        </a:spcBef>
+                        <a:spcAft>
+                          <a:spcPts val="0"/>
+                        </a:spcAft>
+                        <a:buClr>
+                          <a:srgbClr val="000000"/>
+                        </a:buClr>
+                        <a:buSzPts val="1400"/>
+                        <a:buFont typeface="Arial"/>
+                        <a:buNone/>
+                      </a:pPr>
+                      <a:r>
+                        <a:rPr lang="en-US" sz="1400" u="none" strike="sngStrike" cap="none">
+                          <a:solidFill>
+                            <a:srgbClr val="FF0000"/>
+                          </a:solidFill>
+                        </a:rPr>
+                        <a:t> 4 만원</a:t>
+                      </a:r>
+                      <a:endParaRPr sz="1400" u="none" strike="sngStrike" cap="none">
+                        <a:solidFill>
+                          <a:srgbClr val="FF0000"/>
+                        </a:solidFill>
+                      </a:endParaRPr>
+                    </a:p>
+                  </a:txBody>
+                  <a:tcPr marL="91450" marR="91450" marT="45725" marB="45725" anchor="ctr"/>
+                </a:tc>
+                <a:tc>
+                  <a:txBody>
+                    <a:bodyPr/>
+                    <a:lstStyle/>
+                    <a:p>
+                      <a:pPr marL="0" marR="0" lvl="0" indent="0" algn="ctr" rtl="0">
+                        <a:lnSpc>
+                          <a:spcPct val="100000"/>
+                        </a:lnSpc>
+                        <a:spcBef>
+                          <a:spcPts val="0"/>
+                        </a:spcBef>
+                        <a:spcAft>
+                          <a:spcPts val="0"/>
+                        </a:spcAft>
+                        <a:buClr>
+                          <a:srgbClr val="000000"/>
+                        </a:buClr>
+                        <a:buSzPts val="1400"/>
+                        <a:buFont typeface="Arial"/>
+                        <a:buNone/>
+                      </a:pPr>
+                      <a:r>
+                        <a:rPr lang="en-US" sz="1400" u="none" strike="sngStrike" cap="none" smtClean="0">
+                          <a:solidFill>
+                            <a:srgbClr val="FF0000"/>
+                          </a:solidFill>
+                        </a:rPr>
+                        <a:t>0</a:t>
+                      </a:r>
+                      <a:endParaRPr sz="1400" u="none" strike="sngStrike" cap="none">
+                        <a:solidFill>
+                          <a:srgbClr val="FF0000"/>
+                        </a:solidFill>
+                      </a:endParaRPr>
+                    </a:p>
+                  </a:txBody>
+                  <a:tcPr marL="91450" marR="91450" marT="45725" marB="45725" anchor="ctr"/>
+                </a:tc>
+                <a:tc>
+                  <a:txBody>
+                    <a:bodyPr/>
+                    <a:lstStyle/>
+                    <a:p>
+                      <a:pPr marL="0" marR="0" lvl="0" indent="0" algn="ctr" rtl="0">
+                        <a:lnSpc>
+                          <a:spcPct val="100000"/>
+                        </a:lnSpc>
+                        <a:spcBef>
+                          <a:spcPts val="0"/>
+                        </a:spcBef>
+                        <a:spcAft>
+                          <a:spcPts val="0"/>
+                        </a:spcAft>
+                        <a:buNone/>
+                      </a:pPr>
+                      <a:endParaRPr sz="1400" u="none" strike="sngStrike" cap="none">
+                        <a:solidFill>
+                          <a:srgbClr val="FF0000"/>
+                        </a:solidFill>
+                      </a:endParaRPr>
+                    </a:p>
+                  </a:txBody>
+                  <a:tcPr marL="91450" marR="91450" marT="45725" marB="45725" anchor="ctr"/>
+                </a:tc>
+                <a:extLst>
+                  <a:ext uri="{0D108BD9-81ED-4DB2-BD59-A6C34878D82A}">
+                    <a16:rowId xmlns:a16="http://schemas.microsoft.com/office/drawing/2014/main" val="10004"/>
+                  </a:ext>
+                </a:extLst>
+              </a:tr>
+              <a:tr h="432850">
+                <a:tc>
+                  <a:txBody>
+                    <a:bodyPr/>
+                    <a:lstStyle/>
+                    <a:p>
+                      <a:pPr marL="0" marR="0" lvl="0" indent="0" algn="l" rtl="0">
+                        <a:lnSpc>
+                          <a:spcPct val="100000"/>
+                        </a:lnSpc>
+                        <a:spcBef>
+                          <a:spcPts val="0"/>
+                        </a:spcBef>
+                        <a:spcAft>
+                          <a:spcPts val="0"/>
+                        </a:spcAft>
+                        <a:buNone/>
+                      </a:pPr>
+                      <a:endParaRPr sz="1400" u="none" strike="noStrike" cap="none"/>
+                    </a:p>
+                  </a:txBody>
+                  <a:tcPr marL="91450" marR="91450" marT="45725" marB="45725" anchor="ctr"/>
+                </a:tc>
+                <a:tc>
+                  <a:txBody>
+                    <a:bodyPr/>
+                    <a:lstStyle/>
+                    <a:p>
+                      <a:pPr marL="0" marR="0" lvl="0" indent="0" algn="ctr" rtl="0">
+                        <a:lnSpc>
+                          <a:spcPct val="100000"/>
+                        </a:lnSpc>
+                        <a:spcBef>
+                          <a:spcPts val="0"/>
+                        </a:spcBef>
+                        <a:spcAft>
+                          <a:spcPts val="0"/>
+                        </a:spcAft>
+                        <a:buNone/>
+                      </a:pPr>
+                      <a:r>
+                        <a:rPr lang="en-US" sz="1400" u="none" strike="sngStrike" cap="none">
+                          <a:solidFill>
+                            <a:schemeClr val="tx1">
+                              <a:lumMod val="65000"/>
+                              <a:lumOff val="35000"/>
+                            </a:schemeClr>
+                          </a:solidFill>
+                        </a:rPr>
+                        <a:t>PPM RC 조정기</a:t>
+                      </a:r>
+                      <a:endParaRPr sz="1400" u="none" strike="sngStrike" cap="none">
+                        <a:solidFill>
+                          <a:schemeClr val="tx1">
+                            <a:lumMod val="65000"/>
+                            <a:lumOff val="35000"/>
+                          </a:schemeClr>
+                        </a:solidFill>
+                      </a:endParaRPr>
+                    </a:p>
+                  </a:txBody>
+                  <a:tcPr marL="91450" marR="91450" marT="45725" marB="45725" anchor="ctr"/>
+                </a:tc>
+                <a:tc>
+                  <a:txBody>
+                    <a:bodyPr/>
+                    <a:lstStyle/>
+                    <a:p>
+                      <a:pPr marL="0" marR="0" lvl="0" indent="0" algn="ctr" rtl="0">
+                        <a:lnSpc>
+                          <a:spcPct val="100000"/>
+                        </a:lnSpc>
+                        <a:spcBef>
+                          <a:spcPts val="0"/>
+                        </a:spcBef>
+                        <a:spcAft>
+                          <a:spcPts val="0"/>
+                        </a:spcAft>
+                        <a:buNone/>
+                      </a:pPr>
+                      <a:r>
+                        <a:rPr lang="en-US" sz="1400" u="none" strike="sngStrike" cap="none">
+                          <a:solidFill>
+                            <a:schemeClr val="tx1">
+                              <a:lumMod val="65000"/>
+                              <a:lumOff val="35000"/>
+                            </a:schemeClr>
+                          </a:solidFill>
+                        </a:rPr>
+                        <a:t>FrSky Taranis X9D Plus Transmitter</a:t>
+                      </a:r>
+                      <a:endParaRPr sz="1400" u="none" strike="sngStrike" cap="none">
+                        <a:solidFill>
+                          <a:schemeClr val="tx1">
+                            <a:lumMod val="65000"/>
+                            <a:lumOff val="35000"/>
+                          </a:schemeClr>
+                        </a:solidFill>
+                      </a:endParaRPr>
+                    </a:p>
+                  </a:txBody>
+                  <a:tcPr marL="91450" marR="91450" marT="45725" marB="45725" anchor="ctr"/>
+                </a:tc>
+                <a:tc>
+                  <a:txBody>
+                    <a:bodyPr/>
+                    <a:lstStyle/>
+                    <a:p>
+                      <a:pPr marL="0" marR="0" lvl="0" indent="0" algn="r" rtl="0">
+                        <a:lnSpc>
+                          <a:spcPct val="100000"/>
+                        </a:lnSpc>
+                        <a:spcBef>
+                          <a:spcPts val="0"/>
+                        </a:spcBef>
+                        <a:spcAft>
+                          <a:spcPts val="0"/>
+                        </a:spcAft>
+                        <a:buNone/>
+                      </a:pPr>
+                      <a:r>
+                        <a:rPr lang="en-US" sz="1400" u="none" strike="sngStrike" cap="none">
+                          <a:solidFill>
+                            <a:schemeClr val="tx1">
+                              <a:lumMod val="65000"/>
+                              <a:lumOff val="35000"/>
+                            </a:schemeClr>
+                          </a:solidFill>
+                        </a:rPr>
+                        <a:t>27 만원</a:t>
+                      </a:r>
+                      <a:endParaRPr sz="1400" u="none" strike="sngStrike" cap="none">
+                        <a:solidFill>
+                          <a:schemeClr val="tx1">
+                            <a:lumMod val="65000"/>
+                            <a:lumOff val="35000"/>
+                          </a:schemeClr>
+                        </a:solidFill>
+                      </a:endParaRPr>
+                    </a:p>
+                  </a:txBody>
+                  <a:tcPr marL="91450" marR="91450" marT="45725" marB="45725" anchor="ctr"/>
+                </a:tc>
+                <a:tc>
+                  <a:txBody>
+                    <a:bodyPr/>
+                    <a:lstStyle/>
+                    <a:p>
+                      <a:pPr marL="0" marR="0" lvl="0" indent="0" algn="ctr" rtl="0">
+                        <a:lnSpc>
+                          <a:spcPct val="100000"/>
+                        </a:lnSpc>
+                        <a:spcBef>
+                          <a:spcPts val="0"/>
+                        </a:spcBef>
+                        <a:spcAft>
+                          <a:spcPts val="0"/>
+                        </a:spcAft>
+                        <a:buNone/>
+                      </a:pPr>
+                      <a:r>
+                        <a:rPr lang="en-US" sz="1400" u="none" strike="sngStrike" cap="none" smtClean="0">
+                          <a:solidFill>
+                            <a:schemeClr val="tx1">
+                              <a:lumMod val="65000"/>
+                              <a:lumOff val="35000"/>
+                            </a:schemeClr>
+                          </a:solidFill>
+                        </a:rPr>
+                        <a:t>0</a:t>
+                      </a:r>
+                      <a:endParaRPr strike="sngStrike">
+                        <a:solidFill>
+                          <a:schemeClr val="tx1">
+                            <a:lumMod val="65000"/>
+                            <a:lumOff val="35000"/>
+                          </a:schemeClr>
+                        </a:solidFill>
+                      </a:endParaRPr>
+                    </a:p>
+                  </a:txBody>
+                  <a:tcPr marL="91450" marR="91450" marT="45725" marB="45725" anchor="ctr"/>
+                </a:tc>
+                <a:tc>
+                  <a:txBody>
+                    <a:bodyPr/>
+                    <a:lstStyle/>
+                    <a:p>
+                      <a:pPr marL="0" marR="0" lvl="0" indent="0" algn="ctr" rtl="0">
+                        <a:lnSpc>
+                          <a:spcPct val="100000"/>
+                        </a:lnSpc>
+                        <a:spcBef>
+                          <a:spcPts val="0"/>
+                        </a:spcBef>
+                        <a:spcAft>
+                          <a:spcPts val="0"/>
+                        </a:spcAft>
+                        <a:buNone/>
+                      </a:pPr>
+                      <a:r>
+                        <a:rPr lang="ko-KR" altLang="en-US" sz="1400" u="none" strike="sngStrike" cap="none" smtClean="0">
+                          <a:solidFill>
+                            <a:schemeClr val="tx1">
+                              <a:lumMod val="65000"/>
+                              <a:lumOff val="35000"/>
+                            </a:schemeClr>
+                          </a:solidFill>
+                        </a:rPr>
+                        <a:t>완료</a:t>
+                      </a:r>
+                      <a:endParaRPr sz="1400" u="none" strike="sngStrike" cap="none">
+                        <a:solidFill>
+                          <a:schemeClr val="tx1">
+                            <a:lumMod val="65000"/>
+                            <a:lumOff val="35000"/>
+                          </a:schemeClr>
+                        </a:solidFill>
+                      </a:endParaRPr>
+                    </a:p>
+                  </a:txBody>
+                  <a:tcPr marL="91450" marR="91450" marT="45725" marB="45725" anchor="ctr"/>
+                </a:tc>
+                <a:extLst>
+                  <a:ext uri="{0D108BD9-81ED-4DB2-BD59-A6C34878D82A}">
+                    <a16:rowId xmlns:a16="http://schemas.microsoft.com/office/drawing/2014/main" val="4108209139"/>
+                  </a:ext>
+                </a:extLst>
+              </a:tr>
+              <a:tr h="432850">
+                <a:tc>
+                  <a:txBody>
+                    <a:bodyPr/>
+                    <a:lstStyle/>
+                    <a:p>
+                      <a:pPr marL="0" marR="0" lvl="0" indent="0" algn="l" rtl="0">
                         <a:lnSpc>
                           <a:spcPct val="100000"/>
                         </a:lnSpc>
@@ -31964,9 +31354,357 @@
                   </a:txBody>
                   <a:tcPr marL="91450" marR="91450" marT="45725" marB="45725" anchor="ctr"/>
                 </a:tc>
+                <a:tc>
+                  <a:txBody>
+                    <a:bodyPr/>
+                    <a:lstStyle/>
+                    <a:p>
+                      <a:pPr marL="0" marR="0" lvl="0" indent="0" algn="ctr" rtl="0">
+                        <a:lnSpc>
+                          <a:spcPct val="100000"/>
+                        </a:lnSpc>
+                        <a:spcBef>
+                          <a:spcPts val="0"/>
+                        </a:spcBef>
+                        <a:spcAft>
+                          <a:spcPts val="0"/>
+                        </a:spcAft>
+                        <a:buNone/>
+                      </a:pPr>
+                      <a:r>
+                        <a:rPr lang="en-US" sz="1400" u="none" strike="sngStrike" cap="none">
+                          <a:solidFill>
+                            <a:schemeClr val="tx1">
+                              <a:lumMod val="65000"/>
+                              <a:lumOff val="35000"/>
+                            </a:schemeClr>
+                          </a:solidFill>
+                        </a:rPr>
+                        <a:t>PPM RC 수신기</a:t>
+                      </a:r>
+                      <a:endParaRPr sz="1400" u="none" strike="sngStrike" cap="none">
+                        <a:solidFill>
+                          <a:schemeClr val="tx1">
+                            <a:lumMod val="65000"/>
+                            <a:lumOff val="35000"/>
+                          </a:schemeClr>
+                        </a:solidFill>
+                      </a:endParaRPr>
+                    </a:p>
+                  </a:txBody>
+                  <a:tcPr marL="91450" marR="91450" marT="45725" marB="45725" anchor="ctr"/>
+                </a:tc>
+                <a:tc>
+                  <a:txBody>
+                    <a:bodyPr/>
+                    <a:lstStyle/>
+                    <a:p>
+                      <a:pPr marL="0" marR="0" lvl="0" indent="0" algn="ctr" rtl="0">
+                        <a:lnSpc>
+                          <a:spcPct val="100000"/>
+                        </a:lnSpc>
+                        <a:spcBef>
+                          <a:spcPts val="0"/>
+                        </a:spcBef>
+                        <a:spcAft>
+                          <a:spcPts val="0"/>
+                        </a:spcAft>
+                        <a:buClr>
+                          <a:schemeClr val="dk1"/>
+                        </a:buClr>
+                        <a:buSzPts val="1400"/>
+                        <a:buFont typeface="Calibri"/>
+                        <a:buNone/>
+                      </a:pPr>
+                      <a:r>
+                        <a:rPr lang="en-US" sz="1400" u="none" strike="sngStrike" cap="none">
+                          <a:solidFill>
+                            <a:schemeClr val="tx1">
+                              <a:lumMod val="65000"/>
+                              <a:lumOff val="35000"/>
+                            </a:schemeClr>
+                          </a:solidFill>
+                        </a:rPr>
+                        <a:t>FrSky X8R Receiver</a:t>
+                      </a:r>
+                      <a:endParaRPr sz="1400" b="0" i="0" u="none" strike="sngStrike" cap="none">
+                        <a:solidFill>
+                          <a:schemeClr val="tx1">
+                            <a:lumMod val="65000"/>
+                            <a:lumOff val="35000"/>
+                          </a:schemeClr>
+                        </a:solidFill>
+                        <a:latin typeface="Calibri"/>
+                        <a:ea typeface="Calibri"/>
+                        <a:cs typeface="Calibri"/>
+                        <a:sym typeface="Calibri"/>
+                      </a:endParaRPr>
+                    </a:p>
+                  </a:txBody>
+                  <a:tcPr marL="91450" marR="91450" marT="45725" marB="45725" anchor="ctr"/>
+                </a:tc>
+                <a:tc>
+                  <a:txBody>
+                    <a:bodyPr/>
+                    <a:lstStyle/>
+                    <a:p>
+                      <a:pPr marL="0" marR="0" lvl="0" indent="0" algn="r" rtl="0">
+                        <a:lnSpc>
+                          <a:spcPct val="100000"/>
+                        </a:lnSpc>
+                        <a:spcBef>
+                          <a:spcPts val="0"/>
+                        </a:spcBef>
+                        <a:spcAft>
+                          <a:spcPts val="0"/>
+                        </a:spcAft>
+                        <a:buClr>
+                          <a:srgbClr val="000000"/>
+                        </a:buClr>
+                        <a:buSzPts val="1400"/>
+                        <a:buFont typeface="Arial"/>
+                        <a:buNone/>
+                      </a:pPr>
+                      <a:r>
+                        <a:rPr lang="en-US" sz="1400" u="none" strike="sngStrike" cap="none">
+                          <a:solidFill>
+                            <a:schemeClr val="tx1">
+                              <a:lumMod val="65000"/>
+                              <a:lumOff val="35000"/>
+                            </a:schemeClr>
+                          </a:solidFill>
+                        </a:rPr>
+                        <a:t>6 만원</a:t>
+                      </a:r>
+                      <a:endParaRPr sz="1400" u="none" strike="sngStrike" cap="none">
+                        <a:solidFill>
+                          <a:schemeClr val="tx1">
+                            <a:lumMod val="65000"/>
+                            <a:lumOff val="35000"/>
+                          </a:schemeClr>
+                        </a:solidFill>
+                      </a:endParaRPr>
+                    </a:p>
+                  </a:txBody>
+                  <a:tcPr marL="91450" marR="91450" marT="45725" marB="45725" anchor="ctr"/>
+                </a:tc>
+                <a:tc>
+                  <a:txBody>
+                    <a:bodyPr/>
+                    <a:lstStyle/>
+                    <a:p>
+                      <a:pPr marL="0" marR="0" lvl="0" indent="0" algn="ctr" rtl="0">
+                        <a:lnSpc>
+                          <a:spcPct val="100000"/>
+                        </a:lnSpc>
+                        <a:spcBef>
+                          <a:spcPts val="0"/>
+                        </a:spcBef>
+                        <a:spcAft>
+                          <a:spcPts val="0"/>
+                        </a:spcAft>
+                        <a:buClr>
+                          <a:srgbClr val="000000"/>
+                        </a:buClr>
+                        <a:buSzPts val="1400"/>
+                        <a:buFont typeface="Arial"/>
+                        <a:buNone/>
+                      </a:pPr>
+                      <a:r>
+                        <a:rPr lang="en-US" sz="1400" u="none" strike="sngStrike" cap="none" smtClean="0">
+                          <a:solidFill>
+                            <a:schemeClr val="tx1">
+                              <a:lumMod val="65000"/>
+                              <a:lumOff val="35000"/>
+                            </a:schemeClr>
+                          </a:solidFill>
+                        </a:rPr>
+                        <a:t>0</a:t>
+                      </a:r>
+                      <a:endParaRPr sz="1400" u="none" strike="sngStrike" cap="none">
+                        <a:solidFill>
+                          <a:schemeClr val="tx1">
+                            <a:lumMod val="65000"/>
+                            <a:lumOff val="35000"/>
+                          </a:schemeClr>
+                        </a:solidFill>
+                      </a:endParaRPr>
+                    </a:p>
+                  </a:txBody>
+                  <a:tcPr marL="91450" marR="91450" marT="45725" marB="45725" anchor="ctr"/>
+                </a:tc>
+                <a:tc>
+                  <a:txBody>
+                    <a:bodyPr/>
+                    <a:lstStyle/>
+                    <a:p>
+                      <a:pPr marL="0" marR="0" lvl="0" indent="0" algn="ctr" rtl="0">
+                        <a:lnSpc>
+                          <a:spcPct val="100000"/>
+                        </a:lnSpc>
+                        <a:spcBef>
+                          <a:spcPts val="0"/>
+                        </a:spcBef>
+                        <a:spcAft>
+                          <a:spcPts val="0"/>
+                        </a:spcAft>
+                        <a:buNone/>
+                      </a:pPr>
+                      <a:r>
+                        <a:rPr lang="ko-KR" altLang="en-US" sz="1400" u="none" strike="sngStrike" cap="none" smtClean="0">
+                          <a:solidFill>
+                            <a:schemeClr val="tx1">
+                              <a:lumMod val="65000"/>
+                              <a:lumOff val="35000"/>
+                            </a:schemeClr>
+                          </a:solidFill>
+                        </a:rPr>
+                        <a:t>완료</a:t>
+                      </a:r>
+                      <a:endParaRPr sz="1400" u="none" strike="sngStrike" cap="none">
+                        <a:solidFill>
+                          <a:schemeClr val="tx1">
+                            <a:lumMod val="65000"/>
+                            <a:lumOff val="35000"/>
+                          </a:schemeClr>
+                        </a:solidFill>
+                      </a:endParaRPr>
+                    </a:p>
+                  </a:txBody>
+                  <a:tcPr marL="91450" marR="91450" marT="45725" marB="45725" anchor="ctr"/>
+                </a:tc>
                 <a:extLst>
                   <a:ext uri="{0D108BD9-81ED-4DB2-BD59-A6C34878D82A}">
-                    <a16:rowId xmlns:a16="http://schemas.microsoft.com/office/drawing/2014/main" val="10007"/>
+                    <a16:rowId xmlns:a16="http://schemas.microsoft.com/office/drawing/2014/main" val="10005"/>
+                  </a:ext>
+                </a:extLst>
+              </a:tr>
+              <a:tr h="432850">
+                <a:tc>
+                  <a:txBody>
+                    <a:bodyPr/>
+                    <a:lstStyle/>
+                    <a:p>
+                      <a:pPr marL="0" marR="0" lvl="0" indent="0" algn="l" rtl="0">
+                        <a:lnSpc>
+                          <a:spcPct val="100000"/>
+                        </a:lnSpc>
+                        <a:spcBef>
+                          <a:spcPts val="0"/>
+                        </a:spcBef>
+                        <a:spcAft>
+                          <a:spcPts val="0"/>
+                        </a:spcAft>
+                        <a:buNone/>
+                      </a:pPr>
+                      <a:endParaRPr sz="1400" u="none" strike="noStrike" cap="none"/>
+                    </a:p>
+                  </a:txBody>
+                  <a:tcPr marL="91450" marR="91450" marT="45725" marB="45725" anchor="ctr"/>
+                </a:tc>
+                <a:tc>
+                  <a:txBody>
+                    <a:bodyPr/>
+                    <a:lstStyle/>
+                    <a:p>
+                      <a:pPr algn="ctr"/>
+                      <a:r>
+                        <a:rPr lang="en-US" strike="sngStrike" smtClean="0">
+                          <a:solidFill>
+                            <a:srgbClr val="FF0000"/>
+                          </a:solidFill>
+                        </a:rPr>
+                        <a:t>SmartPort Converter</a:t>
+                      </a:r>
+                      <a:endParaRPr lang="en-US" strike="sngStrike">
+                        <a:solidFill>
+                          <a:srgbClr val="FF0000"/>
+                        </a:solidFill>
+                      </a:endParaRPr>
+                    </a:p>
+                  </a:txBody>
+                  <a:tcPr marL="91450" marR="91450" marT="45725" marB="45725" anchor="ctr"/>
+                </a:tc>
+                <a:tc>
+                  <a:txBody>
+                    <a:bodyPr/>
+                    <a:lstStyle/>
+                    <a:p>
+                      <a:r>
+                        <a:rPr lang="en-US" sz="1400" b="0" i="0" u="none" strike="sngStrike" cap="none" baseline="0" smtClean="0">
+                          <a:solidFill>
+                            <a:srgbClr val="FF0000"/>
+                          </a:solidFill>
+                          <a:latin typeface="Calibri"/>
+                          <a:ea typeface="Calibri"/>
+                          <a:cs typeface="Calibri"/>
+                          <a:sym typeface="Arial"/>
+                        </a:rPr>
+                        <a:t>MavLink to FrSky SmartPort Converter</a:t>
+                      </a:r>
+                      <a:endParaRPr lang="en-US" strike="sngStrike">
+                        <a:solidFill>
+                          <a:srgbClr val="FF0000"/>
+                        </a:solidFill>
+                      </a:endParaRPr>
+                    </a:p>
+                  </a:txBody>
+                  <a:tcPr marL="91450" marR="91450" marT="45725" marB="45725" anchor="ctr"/>
+                </a:tc>
+                <a:tc>
+                  <a:txBody>
+                    <a:bodyPr/>
+                    <a:lstStyle/>
+                    <a:p>
+                      <a:endParaRPr lang="en-US" strike="sngStrike">
+                        <a:solidFill>
+                          <a:srgbClr val="FF0000"/>
+                        </a:solidFill>
+                      </a:endParaRPr>
+                    </a:p>
+                  </a:txBody>
+                  <a:tcPr marL="91450" marR="91450" marT="45725" marB="45725" anchor="ctr"/>
+                </a:tc>
+                <a:tc>
+                  <a:txBody>
+                    <a:bodyPr/>
+                    <a:lstStyle/>
+                    <a:p>
+                      <a:pPr algn="ctr"/>
+                      <a:r>
+                        <a:rPr lang="en-US" strike="sngStrike" smtClean="0">
+                          <a:solidFill>
+                            <a:srgbClr val="FF0000"/>
+                          </a:solidFill>
+                        </a:rPr>
+                        <a:t>1</a:t>
+                      </a:r>
+                      <a:endParaRPr lang="en-US" strike="sngStrike">
+                        <a:solidFill>
+                          <a:srgbClr val="FF0000"/>
+                        </a:solidFill>
+                      </a:endParaRPr>
+                    </a:p>
+                  </a:txBody>
+                  <a:tcPr marL="91450" marR="91450" marT="45725" marB="45725" anchor="ctr"/>
+                </a:tc>
+                <a:tc>
+                  <a:txBody>
+                    <a:bodyPr/>
+                    <a:lstStyle/>
+                    <a:p>
+                      <a:endParaRPr lang="en-US" strike="sngStrike">
+                        <a:solidFill>
+                          <a:srgbClr val="FF0000"/>
+                        </a:solidFill>
+                      </a:endParaRPr>
+                    </a:p>
+                  </a:txBody>
+                  <a:tcPr marL="91450" marR="91450" marT="45725" marB="45725" anchor="ctr"/>
+                </a:tc>
+                <a:extLst>
+                  <a:ext uri="{0D108BD9-81ED-4DB2-BD59-A6C34878D82A}">
+                    <a16:rowId xmlns:a16="http://schemas.microsoft.com/office/drawing/2014/main" val="10006"/>
                   </a:ext>
                 </a:extLst>
               </a:tr>
@@ -32105,236 +31843,6 @@
                         </a:buClr>
                         <a:buSzPts val="1400"/>
                         <a:buFont typeface="Arial"/>
-                        <a:buNone/>
-                      </a:pPr>
-                      <a:endParaRPr sz="1400" u="none" strike="noStrike" cap="none">
-                        <a:solidFill>
-                          <a:schemeClr val="dk1"/>
-                        </a:solidFill>
-                      </a:endParaRPr>
-                    </a:p>
-                  </a:txBody>
-                  <a:tcPr marL="91450" marR="91450" marT="45725" marB="45725" anchor="ctr"/>
-                </a:tc>
-                <a:tc>
-                  <a:txBody>
-                    <a:bodyPr/>
-                    <a:lstStyle/>
-                    <a:p>
-                      <a:pPr marL="0" marR="0" lvl="0" indent="0" algn="ctr" rtl="0">
-                        <a:lnSpc>
-                          <a:spcPct val="100000"/>
-                        </a:lnSpc>
-                        <a:spcBef>
-                          <a:spcPts val="0"/>
-                        </a:spcBef>
-                        <a:spcAft>
-                          <a:spcPts val="0"/>
-                        </a:spcAft>
-                        <a:buNone/>
-                      </a:pPr>
-                      <a:endParaRPr sz="1400" u="none" strike="noStrike" cap="none">
-                        <a:solidFill>
-                          <a:schemeClr val="dk1"/>
-                        </a:solidFill>
-                      </a:endParaRPr>
-                    </a:p>
-                  </a:txBody>
-                  <a:tcPr marL="91450" marR="91450" marT="45725" marB="45725" anchor="ctr"/>
-                </a:tc>
-                <a:tc>
-                  <a:txBody>
-                    <a:bodyPr/>
-                    <a:lstStyle/>
-                    <a:p>
-                      <a:pPr marL="0" marR="0" lvl="0" indent="0" algn="ctr" rtl="0">
-                        <a:lnSpc>
-                          <a:spcPct val="100000"/>
-                        </a:lnSpc>
-                        <a:spcBef>
-                          <a:spcPts val="0"/>
-                        </a:spcBef>
-                        <a:spcAft>
-                          <a:spcPts val="0"/>
-                        </a:spcAft>
-                        <a:buNone/>
-                      </a:pPr>
-                      <a:endParaRPr sz="1400" u="none" strike="noStrike" cap="none">
-                        <a:solidFill>
-                          <a:schemeClr val="dk1"/>
-                        </a:solidFill>
-                      </a:endParaRPr>
-                    </a:p>
-                  </a:txBody>
-                  <a:tcPr marL="91450" marR="91450" marT="45725" marB="45725" anchor="ctr"/>
-                </a:tc>
-                <a:extLst>
-                  <a:ext uri="{0D108BD9-81ED-4DB2-BD59-A6C34878D82A}">
-                    <a16:rowId xmlns:a16="http://schemas.microsoft.com/office/drawing/2014/main" val="10008"/>
-                  </a:ext>
-                </a:extLst>
-              </a:tr>
-              <a:tr h="432850">
-                <a:tc>
-                  <a:txBody>
-                    <a:bodyPr/>
-                    <a:lstStyle/>
-                    <a:p>
-                      <a:pPr marL="0" marR="0" lvl="0" indent="0" algn="l" rtl="0">
-                        <a:lnSpc>
-                          <a:spcPct val="100000"/>
-                        </a:lnSpc>
-                        <a:spcBef>
-                          <a:spcPts val="0"/>
-                        </a:spcBef>
-                        <a:spcAft>
-                          <a:spcPts val="0"/>
-                        </a:spcAft>
-                        <a:buNone/>
-                      </a:pPr>
-                      <a:endParaRPr sz="1400" u="none" strike="noStrike" cap="none"/>
-                    </a:p>
-                  </a:txBody>
-                  <a:tcPr marL="91450" marR="91450" marT="45725" marB="45725" anchor="ctr"/>
-                </a:tc>
-                <a:tc>
-                  <a:txBody>
-                    <a:bodyPr/>
-                    <a:lstStyle/>
-                    <a:p>
-                      <a:pPr marL="0" marR="0" lvl="0" indent="0" algn="ctr" rtl="0">
-                        <a:lnSpc>
-                          <a:spcPct val="100000"/>
-                        </a:lnSpc>
-                        <a:spcBef>
-                          <a:spcPts val="0"/>
-                        </a:spcBef>
-                        <a:spcAft>
-                          <a:spcPts val="0"/>
-                        </a:spcAft>
-                        <a:buNone/>
-                      </a:pPr>
-                      <a:endParaRPr sz="1400" u="none" strike="noStrike" cap="none">
-                        <a:solidFill>
-                          <a:schemeClr val="dk1"/>
-                        </a:solidFill>
-                      </a:endParaRPr>
-                    </a:p>
-                  </a:txBody>
-                  <a:tcPr marL="91450" marR="91450" marT="45725" marB="45725" anchor="ctr"/>
-                </a:tc>
-                <a:tc>
-                  <a:txBody>
-                    <a:bodyPr/>
-                    <a:lstStyle/>
-                    <a:p>
-                      <a:pPr marL="0" marR="0" lvl="0" indent="0" algn="ctr" rtl="0">
-                        <a:lnSpc>
-                          <a:spcPct val="100000"/>
-                        </a:lnSpc>
-                        <a:spcBef>
-                          <a:spcPts val="0"/>
-                        </a:spcBef>
-                        <a:spcAft>
-                          <a:spcPts val="0"/>
-                        </a:spcAft>
-                        <a:buClr>
-                          <a:schemeClr val="dk1"/>
-                        </a:buClr>
-                        <a:buSzPts val="1400"/>
-                        <a:buFont typeface="Calibri"/>
-                        <a:buNone/>
-                      </a:pPr>
-                      <a:endParaRPr sz="1400" b="0" i="0" u="none" strike="noStrike" cap="none">
-                        <a:solidFill>
-                          <a:schemeClr val="dk1"/>
-                        </a:solidFill>
-                        <a:latin typeface="Calibri"/>
-                        <a:ea typeface="Calibri"/>
-                        <a:cs typeface="Calibri"/>
-                        <a:sym typeface="Calibri"/>
-                      </a:endParaRPr>
-                    </a:p>
-                  </a:txBody>
-                  <a:tcPr marL="91450" marR="91450" marT="45725" marB="45725" anchor="ctr"/>
-                </a:tc>
-                <a:tc>
-                  <a:txBody>
-                    <a:bodyPr/>
-                    <a:lstStyle/>
-                    <a:p>
-                      <a:pPr marL="0" marR="0" lvl="0" indent="0" algn="r" rtl="0">
-                        <a:lnSpc>
-                          <a:spcPct val="100000"/>
-                        </a:lnSpc>
-                        <a:spcBef>
-                          <a:spcPts val="0"/>
-                        </a:spcBef>
-                        <a:spcAft>
-                          <a:spcPts val="0"/>
-                        </a:spcAft>
-                        <a:buClr>
-                          <a:srgbClr val="000000"/>
-                        </a:buClr>
-                        <a:buSzPts val="1400"/>
-                        <a:buFont typeface="Arial"/>
-                        <a:buNone/>
-                      </a:pPr>
-                      <a:endParaRPr sz="1400" u="none" strike="noStrike" cap="none">
-                        <a:solidFill>
-                          <a:schemeClr val="dk1"/>
-                        </a:solidFill>
-                      </a:endParaRPr>
-                    </a:p>
-                  </a:txBody>
-                  <a:tcPr marL="91450" marR="91450" marT="45725" marB="45725" anchor="ctr"/>
-                </a:tc>
-                <a:tc>
-                  <a:txBody>
-                    <a:bodyPr/>
-                    <a:lstStyle/>
-                    <a:p>
-                      <a:pPr marL="0" marR="0" lvl="0" indent="0" algn="ctr" rtl="0">
-                        <a:lnSpc>
-                          <a:spcPct val="100000"/>
-                        </a:lnSpc>
-                        <a:spcBef>
-                          <a:spcPts val="0"/>
-                        </a:spcBef>
-                        <a:spcAft>
-                          <a:spcPts val="0"/>
-                        </a:spcAft>
-                        <a:buClr>
-                          <a:srgbClr val="000000"/>
-                        </a:buClr>
-                        <a:buSzPts val="1400"/>
-                        <a:buFont typeface="Arial"/>
-                        <a:buNone/>
-                      </a:pPr>
-                      <a:endParaRPr sz="1400" u="none" strike="noStrike" cap="none">
-                        <a:solidFill>
-                          <a:schemeClr val="dk1"/>
-                        </a:solidFill>
-                      </a:endParaRPr>
-                    </a:p>
-                  </a:txBody>
-                  <a:tcPr marL="91450" marR="91450" marT="45725" marB="45725" anchor="ctr"/>
-                </a:tc>
-                <a:tc>
-                  <a:txBody>
-                    <a:bodyPr/>
-                    <a:lstStyle/>
-                    <a:p>
-                      <a:pPr marL="0" marR="0" lvl="0" indent="0" algn="ctr" rtl="0">
-                        <a:lnSpc>
-                          <a:spcPct val="100000"/>
-                        </a:lnSpc>
-                        <a:spcBef>
-                          <a:spcPts val="0"/>
-                        </a:spcBef>
-                        <a:spcAft>
-                          <a:spcPts val="0"/>
-                        </a:spcAft>
                         <a:buNone/>
                       </a:pPr>
                       <a:endParaRPr sz="1400" u="none" strike="noStrike" cap="none">
@@ -35504,6 +35012,55 @@
           </a:graphicData>
         </a:graphic>
       </p:graphicFrame>
+      <p:sp>
+        <p:nvSpPr>
+          <p:cNvPr id="3" name="&quot;없음&quot; 기호 2"/>
+          <p:cNvSpPr/>
+          <p:nvPr/>
+        </p:nvSpPr>
+        <p:spPr>
+          <a:xfrm>
+            <a:off x="2166257" y="818606"/>
+            <a:ext cx="5573485" cy="4955177"/>
+          </a:xfrm>
+          <a:prstGeom prst="noSmoking">
+            <a:avLst>
+              <a:gd name="adj" fmla="val 4685"/>
+            </a:avLst>
+          </a:prstGeom>
+          <a:solidFill>
+            <a:srgbClr val="FF0000"/>
+          </a:solidFill>
+        </p:spPr>
+        <p:style>
+          <a:lnRef idx="2">
+            <a:schemeClr val="accent1">
+              <a:shade val="50000"/>
+            </a:schemeClr>
+          </a:lnRef>
+          <a:fillRef idx="1">
+            <a:schemeClr val="accent1"/>
+          </a:fillRef>
+          <a:effectRef idx="0">
+            <a:schemeClr val="accent1"/>
+          </a:effectRef>
+          <a:fontRef idx="minor">
+            <a:schemeClr val="lt1"/>
+          </a:fontRef>
+        </p:style>
+        <p:txBody>
+          <a:bodyPr rtlCol="0" anchor="ctr"/>
+          <a:lstStyle/>
+          <a:p>
+            <a:pPr algn="ctr"/>
+            <a:endParaRPr lang="en-US">
+              <a:solidFill>
+                <a:schemeClr val="tx1"/>
+              </a:solidFill>
+            </a:endParaRPr>
+          </a:p>
+        </p:txBody>
+      </p:sp>
     </p:spTree>
   </p:cSld>
   <p:clrMapOvr>

--- a/120 구매/108 2차 지능형 드론 멘토링 HW 구매 목록 19년 6월 V1.2.1.pptx
+++ b/120 구매/108 2차 지능형 드론 멘토링 HW 구매 목록 19년 6월 V1.2.1.pptx
@@ -260,7 +260,7 @@
       <p15:sldGuideLst xmlns:p15="http://schemas.microsoft.com/office/powerpoint/2012/main"/>
     </p:ext>
     <p:ext uri="http://customooxmlschemas.google.com/">
-      <go:slidesCustomData xmlns:go="http://customooxmlschemas.google.com/" xmlns:p15="http://schemas.microsoft.com/office/powerpoint/2012/main" xmlns:p14="http://schemas.microsoft.com/office/powerpoint/2010/main" xmlns:com="http://schemas.openxmlformats.org/drawingml/2006/compatibility" xmlns:pvml="urn:schemas-microsoft-com:office:powerpoint" xmlns:v="urn:schemas-microsoft-com:vml" xmlns:o="urn:schemas-microsoft-com:office:office" xmlns:dgm="http://schemas.openxmlformats.org/drawingml/2006/diagram" xmlns:c="http://schemas.openxmlformats.org/drawingml/2006/chart" xmlns:mv="urn:schemas-microsoft-com:mac:vml" xmlns:mc="http://schemas.openxmlformats.org/markup-compatibility/2006" xmlns="" r:id="rId19" roundtripDataSignature="AMtx7mhDtmrrjuDkfHFray89f3AzMYLLmw=="/>
+      <go:slidesCustomData xmlns="" xmlns:mc="http://schemas.openxmlformats.org/markup-compatibility/2006" xmlns:mv="urn:schemas-microsoft-com:mac:vml" xmlns:c="http://schemas.openxmlformats.org/drawingml/2006/chart" xmlns:dgm="http://schemas.openxmlformats.org/drawingml/2006/diagram" xmlns:o="urn:schemas-microsoft-com:office:office" xmlns:v="urn:schemas-microsoft-com:vml" xmlns:pvml="urn:schemas-microsoft-com:office:powerpoint" xmlns:com="http://schemas.openxmlformats.org/drawingml/2006/compatibility" xmlns:p14="http://schemas.microsoft.com/office/powerpoint/2010/main" xmlns:p15="http://schemas.microsoft.com/office/powerpoint/2012/main" xmlns:go="http://customooxmlschemas.google.com/" r:id="rId19" roundtripDataSignature="AMtx7mhDtmrrjuDkfHFray89f3AzMYLLmw=="/>
     </p:ext>
   </p:extLst>
 </p:presentation>
@@ -29781,7 +29781,7 @@
           <p:nvPr>
             <p:extLst>
               <p:ext uri="{D42A27DB-BD31-4B8C-83A1-F6EECF244321}">
-                <p14:modId xmlns:p14="http://schemas.microsoft.com/office/powerpoint/2010/main" val="3033866750"/>
+                <p14:modId xmlns:p14="http://schemas.microsoft.com/office/powerpoint/2010/main" val="2346344686"/>
               </p:ext>
             </p:extLst>
           </p:nvPr>
@@ -30767,7 +30767,19 @@
                           <a:cs typeface="Calibri"/>
                           <a:sym typeface="Arial"/>
                         </a:rPr>
-                        <a:t>똑딱이 스위치</a:t>
+                        <a:t>미니 스위</a:t>
+                      </a:r>
+                      <a:r>
+                        <a:rPr lang="ko-KR" altLang="en-US" sz="1400" b="0" i="0" u="none" strike="noStrike" cap="none" smtClean="0">
+                          <a:solidFill>
+                            <a:srgbClr val="FF0000"/>
+                          </a:solidFill>
+                          <a:latin typeface="Calibri"/>
+                          <a:ea typeface="Calibri"/>
+                          <a:cs typeface="Calibri"/>
+                          <a:sym typeface="Arial"/>
+                        </a:rPr>
+                        <a:t>치</a:t>
                       </a:r>
                       <a:endParaRPr sz="1400" b="0" i="0" u="none" strike="noStrike" cap="none">
                         <a:solidFill>
@@ -30841,7 +30853,7 @@
                             <a:srgbClr val="FF0000"/>
                           </a:solidFill>
                         </a:rPr>
-                        <a:t>6</a:t>
+                        <a:t>10</a:t>
                       </a:r>
                       <a:endParaRPr sz="1400" u="none" strike="noStrike" cap="none">
                         <a:solidFill>
@@ -32789,8 +32801,8 @@
         </p:nvSpPr>
         <p:spPr>
           <a:xfrm>
-            <a:off x="681038" y="1322963"/>
-            <a:ext cx="8543923" cy="1324443"/>
+            <a:off x="681038" y="1322962"/>
+            <a:ext cx="8543923" cy="2395597"/>
           </a:xfrm>
           <a:prstGeom prst="rect">
             <a:avLst/>
@@ -32802,13 +32814,13 @@
         </p:spPr>
         <p:txBody>
           <a:bodyPr spcFirstLastPara="1" wrap="square" lIns="91425" tIns="45700" rIns="91425" bIns="45700" anchor="t" anchorCtr="0">
-            <a:normAutofit/>
+            <a:normAutofit fontScale="85000" lnSpcReduction="20000"/>
           </a:bodyPr>
           <a:lstStyle/>
           <a:p>
             <a:pPr marL="228600" lvl="0" indent="-228600">
               <a:lnSpc>
-                <a:spcPct val="70000"/>
+                <a:spcPct val="120000"/>
               </a:lnSpc>
               <a:spcBef>
                 <a:spcPts val="500"/>
@@ -32828,7 +32840,7 @@
           <a:p>
             <a:pPr marL="228600" lvl="0" indent="-228600">
               <a:lnSpc>
-                <a:spcPct val="70000"/>
+                <a:spcPct val="120000"/>
               </a:lnSpc>
               <a:spcBef>
                 <a:spcPts val="500"/>
@@ -32841,7 +32853,7 @@
           <a:p>
             <a:pPr marL="228600" lvl="0" indent="-228600">
               <a:lnSpc>
-                <a:spcPct val="70000"/>
+                <a:spcPct val="120000"/>
               </a:lnSpc>
               <a:spcBef>
                 <a:spcPts val="500"/>
@@ -32854,19 +32866,56 @@
               <a:t>XT-60 </a:t>
             </a:r>
             <a:r>
-              <a:rPr lang="ko-KR" altLang="en-US" sz="1600"/>
+              <a:rPr lang="ko-KR" altLang="en-US" sz="1600" smtClean="0"/>
               <a:t>스위치</a:t>
             </a:r>
+            <a:endParaRPr lang="en-US" altLang="ko-KR" sz="1600" smtClean="0"/>
+          </a:p>
+          <a:p>
+            <a:pPr marL="685800" lvl="1" indent="-228600">
+              <a:lnSpc>
+                <a:spcPct val="120000"/>
+              </a:lnSpc>
+              <a:buSzPts val="1480"/>
+            </a:pPr>
+            <a:endParaRPr lang="en-US" altLang="ko-KR" sz="1600"/>
+          </a:p>
+          <a:p>
+            <a:pPr marL="228600" lvl="0" indent="-228600">
+              <a:lnSpc>
+                <a:spcPct val="120000"/>
+              </a:lnSpc>
+              <a:spcBef>
+                <a:spcPts val="500"/>
+              </a:spcBef>
+              <a:buSzPts val="1480"/>
+              <a:buChar char="•"/>
+            </a:pPr>
             <a:r>
-              <a:rPr lang="en-US" sz="1600" smtClean="0"/>
-              <a:t> </a:t>
+              <a:rPr lang="ko-KR" altLang="en-US" sz="1600" smtClean="0"/>
+              <a:t>미니 스위치</a:t>
+            </a:r>
+            <a:endParaRPr lang="en-US" altLang="ko-KR" sz="1600" smtClean="0"/>
+          </a:p>
+          <a:p>
+            <a:pPr marL="685800" lvl="1" indent="-228600">
+              <a:lnSpc>
+                <a:spcPct val="120000"/>
+              </a:lnSpc>
+              <a:buSzPts val="1480"/>
+            </a:pPr>
+            <a:r>
+              <a:rPr lang="en-US" sz="1600">
+                <a:hlinkClick r:id="rId3"/>
+              </a:rPr>
+              <a:t>http://shopping.interpark.com/product/productInfo.do?prdNo=5001237915&amp;dispNo=016001&amp;bizCd=P01397&amp;NaPm=ct%3Djy6puizs%7Cci%3Dff2c1318c7589de4121e1dd405e4d876606c7d90%7Ctr%3Dslsl%7Csn%3D3%7Chk%3D341ec9859cf5ff6cf0084b37b6efc533314742fc&amp;utm_medium=affiliate&amp;utm_source=naver&amp;utm_campaign=shop_p11714_p01397&amp;utm_content=price_comparison</a:t>
             </a:r>
             <a:endParaRPr sz="1600"/>
           </a:p>
           <a:p>
             <a:pPr marL="742950" lvl="1" indent="-191769" algn="l" rtl="0">
               <a:lnSpc>
-                <a:spcPct val="70000"/>
+                <a:spcPct val="120000"/>
               </a:lnSpc>
               <a:spcBef>
                 <a:spcPts val="500"/>
@@ -32891,15 +32940,15 @@
           <p:nvPr/>
         </p:nvPicPr>
         <p:blipFill>
-          <a:blip r:embed="rId3"/>
+          <a:blip r:embed="rId4"/>
           <a:stretch>
             <a:fillRect/>
           </a:stretch>
         </p:blipFill>
         <p:spPr>
           <a:xfrm>
-            <a:off x="1118664" y="2882827"/>
-            <a:ext cx="4074704" cy="2945828"/>
+            <a:off x="931321" y="4250074"/>
+            <a:ext cx="2486685" cy="1797762"/>
           </a:xfrm>
           <a:prstGeom prst="rect">
             <a:avLst/>
@@ -32915,15 +32964,39 @@
           <p:nvPr/>
         </p:nvPicPr>
         <p:blipFill>
-          <a:blip r:embed="rId4"/>
+          <a:blip r:embed="rId5"/>
           <a:stretch>
             <a:fillRect/>
           </a:stretch>
         </p:blipFill>
         <p:spPr>
           <a:xfrm>
-            <a:off x="5843452" y="2882827"/>
-            <a:ext cx="2759864" cy="2847945"/>
+            <a:off x="4171406" y="4250074"/>
+            <a:ext cx="1704445" cy="1758842"/>
+          </a:xfrm>
+          <a:prstGeom prst="rect">
+            <a:avLst/>
+          </a:prstGeom>
+        </p:spPr>
+      </p:pic>
+      <p:pic>
+        <p:nvPicPr>
+          <p:cNvPr id="4" name="그림 3"/>
+          <p:cNvPicPr>
+            <a:picLocks noChangeAspect="1"/>
+          </p:cNvPicPr>
+          <p:nvPr/>
+        </p:nvPicPr>
+        <p:blipFill>
+          <a:blip r:embed="rId6"/>
+          <a:stretch>
+            <a:fillRect/>
+          </a:stretch>
+        </p:blipFill>
+        <p:spPr>
+          <a:xfrm>
+            <a:off x="7133981" y="4250073"/>
+            <a:ext cx="1605573" cy="1660699"/>
           </a:xfrm>
           <a:prstGeom prst="rect">
             <a:avLst/>

--- a/120 구매/108 2차 지능형 드론 멘토링 HW 구매 목록 19년 6월 V1.2.1.pptx
+++ b/120 구매/108 2차 지능형 드론 멘토링 HW 구매 목록 19년 6월 V1.2.1.pptx
@@ -260,7 +260,7 @@
       <p15:sldGuideLst xmlns:p15="http://schemas.microsoft.com/office/powerpoint/2012/main"/>
     </p:ext>
     <p:ext uri="http://customooxmlschemas.google.com/">
-      <go:slidesCustomData xmlns="" xmlns:mc="http://schemas.openxmlformats.org/markup-compatibility/2006" xmlns:mv="urn:schemas-microsoft-com:mac:vml" xmlns:c="http://schemas.openxmlformats.org/drawingml/2006/chart" xmlns:dgm="http://schemas.openxmlformats.org/drawingml/2006/diagram" xmlns:o="urn:schemas-microsoft-com:office:office" xmlns:v="urn:schemas-microsoft-com:vml" xmlns:pvml="urn:schemas-microsoft-com:office:powerpoint" xmlns:com="http://schemas.openxmlformats.org/drawingml/2006/compatibility" xmlns:p14="http://schemas.microsoft.com/office/powerpoint/2010/main" xmlns:p15="http://schemas.microsoft.com/office/powerpoint/2012/main" xmlns:go="http://customooxmlschemas.google.com/" r:id="rId19" roundtripDataSignature="AMtx7mhDtmrrjuDkfHFray89f3AzMYLLmw=="/>
+      <go:slidesCustomData xmlns:go="http://customooxmlschemas.google.com/" xmlns:p15="http://schemas.microsoft.com/office/powerpoint/2012/main" xmlns:p14="http://schemas.microsoft.com/office/powerpoint/2010/main" xmlns:com="http://schemas.openxmlformats.org/drawingml/2006/compatibility" xmlns:pvml="urn:schemas-microsoft-com:office:powerpoint" xmlns:v="urn:schemas-microsoft-com:vml" xmlns:o="urn:schemas-microsoft-com:office:office" xmlns:dgm="http://schemas.openxmlformats.org/drawingml/2006/diagram" xmlns:c="http://schemas.openxmlformats.org/drawingml/2006/chart" xmlns:mv="urn:schemas-microsoft-com:mac:vml" xmlns:mc="http://schemas.openxmlformats.org/markup-compatibility/2006" xmlns="" r:id="rId19" roundtripDataSignature="AMtx7mhDtmrrjuDkfHFray89f3AzMYLLmw=="/>
     </p:ext>
   </p:extLst>
 </p:presentation>
@@ -25242,11 +25242,17 @@
         <p:nvGraphicFramePr>
           <p:cNvPr id="103" name="Google Shape;103;p20"/>
           <p:cNvGraphicFramePr/>
-          <p:nvPr/>
+          <p:nvPr>
+            <p:extLst>
+              <p:ext uri="{D42A27DB-BD31-4B8C-83A1-F6EECF244321}">
+                <p14:modId xmlns:p14="http://schemas.microsoft.com/office/powerpoint/2010/main" val="1832754412"/>
+              </p:ext>
+            </p:extLst>
+          </p:nvPr>
         </p:nvGraphicFramePr>
         <p:xfrm>
           <a:off x="681038" y="1167320"/>
-          <a:ext cx="8543950" cy="2553670"/>
+          <a:ext cx="8543950" cy="2529060"/>
         </p:xfrm>
         <a:graphic>
           <a:graphicData uri="http://schemas.openxmlformats.org/drawingml/2006/table">
@@ -25263,21 +25269,21 @@
                     </a:ext>
                   </a:extLst>
                 </a:gridCol>
-                <a:gridCol w="1188725">
+                <a:gridCol w="1608922">
                   <a:extLst>
                     <a:ext uri="{9D8B030D-6E8A-4147-A177-3AD203B41FA5}">
                       <a16:colId xmlns:a16="http://schemas.microsoft.com/office/drawing/2014/main" val="20001"/>
                     </a:ext>
                   </a:extLst>
                 </a:gridCol>
-                <a:gridCol w="3844700">
+                <a:gridCol w="3568823">
                   <a:extLst>
                     <a:ext uri="{9D8B030D-6E8A-4147-A177-3AD203B41FA5}">
                       <a16:colId xmlns:a16="http://schemas.microsoft.com/office/drawing/2014/main" val="20002"/>
                     </a:ext>
                   </a:extLst>
                 </a:gridCol>
-                <a:gridCol w="1060350">
+                <a:gridCol w="916030">
                   <a:extLst>
                     <a:ext uri="{9D8B030D-6E8A-4147-A177-3AD203B41FA5}">
                       <a16:colId xmlns:a16="http://schemas.microsoft.com/office/drawing/2014/main" val="20003"/>
@@ -26169,12 +26175,20 @@
                         <a:buNone/>
                       </a:pPr>
                       <a:r>
+                        <a:rPr lang="en-US" sz="1400" u="none" strike="noStrike" cap="none" smtClean="0">
+                          <a:solidFill>
+                            <a:srgbClr val="FF0000"/>
+                          </a:solidFill>
+                        </a:rPr>
+                        <a:t>불량시 </a:t>
+                      </a:r>
+                      <a:r>
                         <a:rPr lang="en-US" sz="1400" u="none" strike="noStrike" cap="none">
                           <a:solidFill>
                             <a:srgbClr val="FF0000"/>
                           </a:solidFill>
                         </a:rPr>
-                        <a:t>와이파이 불량시 대처</a:t>
+                        <a:t>대처</a:t>
                       </a:r>
                       <a:endParaRPr sz="1400" u="none" strike="noStrike" cap="none">
                         <a:solidFill>
@@ -30767,19 +30781,7 @@
                           <a:cs typeface="Calibri"/>
                           <a:sym typeface="Arial"/>
                         </a:rPr>
-                        <a:t>미니 스위</a:t>
-                      </a:r>
-                      <a:r>
-                        <a:rPr lang="ko-KR" altLang="en-US" sz="1400" b="0" i="0" u="none" strike="noStrike" cap="none" smtClean="0">
-                          <a:solidFill>
-                            <a:srgbClr val="FF0000"/>
-                          </a:solidFill>
-                          <a:latin typeface="Calibri"/>
-                          <a:ea typeface="Calibri"/>
-                          <a:cs typeface="Calibri"/>
-                          <a:sym typeface="Arial"/>
-                        </a:rPr>
-                        <a:t>치</a:t>
+                        <a:t>미니 스위치</a:t>
                       </a:r>
                       <a:endParaRPr sz="1400" b="0" i="0" u="none" strike="noStrike" cap="none">
                         <a:solidFill>

--- a/120 구매/108 2차 지능형 드론 멘토링 HW 구매 목록 19년 6월 V1.2.1.pptx
+++ b/120 구매/108 2차 지능형 드론 멘토링 HW 구매 목록 19년 6월 V1.2.1.pptx
@@ -260,7 +260,7 @@
       <p15:sldGuideLst xmlns:p15="http://schemas.microsoft.com/office/powerpoint/2012/main"/>
     </p:ext>
     <p:ext uri="http://customooxmlschemas.google.com/">
-      <go:slidesCustomData xmlns:go="http://customooxmlschemas.google.com/" xmlns:p15="http://schemas.microsoft.com/office/powerpoint/2012/main" xmlns:p14="http://schemas.microsoft.com/office/powerpoint/2010/main" xmlns:com="http://schemas.openxmlformats.org/drawingml/2006/compatibility" xmlns:pvml="urn:schemas-microsoft-com:office:powerpoint" xmlns:v="urn:schemas-microsoft-com:vml" xmlns:o="urn:schemas-microsoft-com:office:office" xmlns:dgm="http://schemas.openxmlformats.org/drawingml/2006/diagram" xmlns:c="http://schemas.openxmlformats.org/drawingml/2006/chart" xmlns:mv="urn:schemas-microsoft-com:mac:vml" xmlns:mc="http://schemas.openxmlformats.org/markup-compatibility/2006" xmlns="" r:id="rId19" roundtripDataSignature="AMtx7mhDtmrrjuDkfHFray89f3AzMYLLmw=="/>
+      <go:slidesCustomData xmlns="" xmlns:mc="http://schemas.openxmlformats.org/markup-compatibility/2006" xmlns:mv="urn:schemas-microsoft-com:mac:vml" xmlns:c="http://schemas.openxmlformats.org/drawingml/2006/chart" xmlns:dgm="http://schemas.openxmlformats.org/drawingml/2006/diagram" xmlns:o="urn:schemas-microsoft-com:office:office" xmlns:v="urn:schemas-microsoft-com:vml" xmlns:pvml="urn:schemas-microsoft-com:office:powerpoint" xmlns:com="http://schemas.openxmlformats.org/drawingml/2006/compatibility" xmlns:p14="http://schemas.microsoft.com/office/powerpoint/2010/main" xmlns:p15="http://schemas.microsoft.com/office/powerpoint/2012/main" xmlns:go="http://customooxmlschemas.google.com/" r:id="rId19" roundtripDataSignature="AMtx7mhDtmrrjuDkfHFray89f3AzMYLLmw=="/>
     </p:ext>
   </p:extLst>
 </p:presentation>
@@ -16636,23 +16636,39 @@
               <a:buChar char="•"/>
             </a:pPr>
             <a:r>
-              <a:rPr lang="en-US" sz="1480"/>
+              <a:rPr lang="en-US" sz="1480" dirty="0"/>
               <a:t> </a:t>
             </a:r>
             <a:r>
-              <a:rPr lang="en-US" sz="2000" b="1"/>
-              <a:t>에어글라이더 스티로폼 비행기</a:t>
+              <a:rPr lang="en-US" sz="2000" b="1" dirty="0" err="1"/>
+              <a:t>에어글라이더</a:t>
             </a:r>
             <a:r>
-              <a:rPr lang="en-US" sz="1200"/>
+              <a:rPr lang="en-US" sz="2000" b="1" dirty="0"/>
               <a:t> </a:t>
             </a:r>
             <a:r>
-              <a:rPr lang="en-US" sz="1480"/>
+              <a:rPr lang="en-US" sz="2000" b="1" dirty="0" err="1"/>
+              <a:t>스티로폼</a:t>
+            </a:r>
+            <a:r>
+              <a:rPr lang="en-US" sz="2000" b="1" dirty="0"/>
+              <a:t> </a:t>
+            </a:r>
+            <a:r>
+              <a:rPr lang="en-US" sz="2000" b="1" dirty="0" err="1"/>
+              <a:t>비행기</a:t>
+            </a:r>
+            <a:r>
+              <a:rPr lang="en-US" sz="1200" dirty="0"/>
+              <a:t> </a:t>
+            </a:r>
+            <a:r>
+              <a:rPr lang="en-US" sz="1480" dirty="0"/>
               <a:t>: </a:t>
             </a:r>
             <a:r>
-              <a:rPr lang="en-US" sz="1600" u="sng">
+              <a:rPr lang="en-US" sz="1600" u="sng" dirty="0">
                 <a:solidFill>
                   <a:schemeClr val="hlink"/>
                 </a:solidFill>
@@ -16660,7 +16676,7 @@
               </a:rPr>
               <a:t>https://smartstore.naver.com/enjoycompany/products/4542716496?NaPm=ct%3Djwu57zuw%7Cci%3Dd5aabb1d47f3802b621b852a3f40f3848b1cd395%7Ctr%3Dligh%7Csn%3D962251%7Cic%3D%7Chk%3Df87eb25d2ef680811954940246bab68ce9544238</a:t>
             </a:r>
-            <a:endParaRPr sz="1600"/>
+            <a:endParaRPr sz="1600" dirty="0"/>
           </a:p>
           <a:p>
             <a:pPr marL="379730" lvl="0" indent="-191770" algn="l" rtl="0">
@@ -16677,7 +16693,7 @@
               <a:buFont typeface="Arial"/>
               <a:buNone/>
             </a:pPr>
-            <a:endParaRPr sz="1480"/>
+            <a:endParaRPr sz="1480" dirty="0"/>
           </a:p>
         </p:txBody>
       </p:sp>
@@ -16753,8 +16769,28 @@
               <a:buNone/>
             </a:pPr>
             <a:r>
+              <a:rPr lang="en-US" dirty="0" err="1"/>
+              <a:t>모형</a:t>
+            </a:r>
+            <a:r>
+              <a:rPr lang="en-US" dirty="0"/>
+              <a:t> </a:t>
+            </a:r>
+            <a:r>
+              <a:rPr lang="en-US" dirty="0" err="1"/>
+              <a:t>비행기</a:t>
+            </a:r>
+            <a:r>
+              <a:rPr lang="en-US" dirty="0"/>
+              <a:t> </a:t>
+            </a:r>
+            <a:r>
+              <a:rPr lang="en-US" dirty="0" err="1"/>
+              <a:t>제작</a:t>
+            </a:r>
+            <a:r>
               <a:rPr lang="en-US"/>
-              <a:t>모형 비행기 제작 </a:t>
+              <a:t> </a:t>
             </a:r>
             <a:endParaRPr/>
           </a:p>
@@ -18298,11 +18334,35 @@
               <a:buChar char="•"/>
             </a:pPr>
             <a:r>
-              <a:rPr lang="en-US" sz="1480"/>
-              <a:t> 아케데미 R-2 고무 동력기 : </a:t>
+              <a:rPr lang="en-US" sz="1480" dirty="0"/>
+              <a:t> </a:t>
             </a:r>
             <a:r>
-              <a:rPr lang="en-US" sz="1600" u="sng">
+              <a:rPr lang="en-US" sz="1480" dirty="0" err="1"/>
+              <a:t>아케데미</a:t>
+            </a:r>
+            <a:r>
+              <a:rPr lang="en-US" sz="1480" dirty="0"/>
+              <a:t> R-2 </a:t>
+            </a:r>
+            <a:r>
+              <a:rPr lang="en-US" sz="1480" dirty="0" err="1"/>
+              <a:t>고무</a:t>
+            </a:r>
+            <a:r>
+              <a:rPr lang="en-US" sz="1480" dirty="0"/>
+              <a:t> </a:t>
+            </a:r>
+            <a:r>
+              <a:rPr lang="en-US" sz="1480" dirty="0" err="1"/>
+              <a:t>동력기</a:t>
+            </a:r>
+            <a:r>
+              <a:rPr lang="en-US" sz="1480" dirty="0"/>
+              <a:t> : </a:t>
+            </a:r>
+            <a:r>
+              <a:rPr lang="en-US" sz="1600" u="sng" dirty="0">
                 <a:solidFill>
                   <a:schemeClr val="hlink"/>
                 </a:solidFill>
@@ -18310,7 +18370,7 @@
               </a:rPr>
               <a:t>https://front.wemakeprice.com/product/152733197?utm_source=naver_ep&amp;utm_medium=PRICE_af&amp;utm_campaign=null&amp;NaPm=ct%3Djwu5f39c%7Cci%3D15a7d1b58b53f090b967d933894518950cdd1a2d%7Ctr%3Dligh%7Csn%3D197023%7Chk%3Deb67423e4eb13ffbb666ca9aab8da9b419a46725</a:t>
             </a:r>
-            <a:endParaRPr sz="1600"/>
+            <a:endParaRPr sz="1600" dirty="0"/>
           </a:p>
           <a:p>
             <a:pPr marL="228600" lvl="0" indent="-228600" algn="l" rtl="0">
@@ -18327,10 +18387,10 @@
               <a:buChar char="•"/>
             </a:pPr>
             <a:r>
-              <a:rPr lang="en-US" sz="1480"/>
+              <a:rPr lang="en-US" sz="1480" dirty="0"/>
               <a:t> </a:t>
             </a:r>
-            <a:endParaRPr sz="1600"/>
+            <a:endParaRPr sz="1600" dirty="0"/>
           </a:p>
           <a:p>
             <a:pPr marL="379730" lvl="0" indent="-191770" algn="l" rtl="0">
@@ -18347,7 +18407,7 @@
               <a:buFont typeface="Arial"/>
               <a:buNone/>
             </a:pPr>
-            <a:endParaRPr sz="1480"/>
+            <a:endParaRPr sz="1480" dirty="0"/>
           </a:p>
         </p:txBody>
       </p:sp>
@@ -18710,7 +18770,7 @@
               <a:buNone/>
             </a:pPr>
             <a:r>
-              <a:rPr lang="ko-KR" altLang="en-US" smtClean="0"/>
+              <a:rPr lang="ko-KR" altLang="en-US"/>
               <a:t>나비오 드론 조립 부품</a:t>
             </a:r>
             <a:endParaRPr/>
@@ -19186,7 +19246,7 @@
                         <a:buNone/>
                       </a:pPr>
                       <a:r>
-                        <a:rPr lang="en-US" smtClean="0"/>
+                        <a:rPr lang="en-US"/>
                         <a:t>damping balls</a:t>
                       </a:r>
                       <a:endParaRPr sz="1400" b="0" i="0" u="none" strike="noStrike" cap="none">
@@ -19225,7 +19285,7 @@
                         <a:buNone/>
                       </a:pPr>
                       <a:r>
-                        <a:rPr lang="en-US" smtClean="0"/>
+                        <a:rPr lang="en-US"/>
                         <a:t>8 blue vibration damping balls </a:t>
                       </a:r>
                       <a:endParaRPr sz="1400" b="0" i="0" u="none" strike="noStrike" cap="none">
@@ -19264,7 +19324,7 @@
                         <a:buNone/>
                       </a:pPr>
                       <a:r>
-                        <a:rPr lang="en-US" sz="1400" u="none" strike="noStrike" cap="none" smtClean="0">
+                        <a:rPr lang="en-US" sz="1400" u="none" strike="noStrike" cap="none">
                           <a:solidFill>
                             <a:schemeClr val="dk1"/>
                           </a:solidFill>
@@ -19272,7 +19332,7 @@
                         <a:t>$</a:t>
                       </a:r>
                       <a:r>
-                        <a:rPr lang="en-US" sz="1400" u="none" strike="noStrike" cap="none" baseline="0" smtClean="0">
+                        <a:rPr lang="en-US" sz="1400" u="none" strike="noStrike" cap="none" baseline="0">
                           <a:solidFill>
                             <a:schemeClr val="dk1"/>
                           </a:solidFill>
@@ -19311,7 +19371,7 @@
                         <a:buNone/>
                       </a:pPr>
                       <a:r>
-                        <a:rPr lang="ko-KR" altLang="en-US" sz="1400" u="none" strike="noStrike" cap="none" smtClean="0">
+                        <a:rPr lang="ko-KR" altLang="en-US" sz="1400" u="none" strike="noStrike" cap="none">
                           <a:solidFill>
                             <a:schemeClr val="dk1"/>
                           </a:solidFill>
@@ -19350,7 +19410,7 @@
                         <a:buNone/>
                       </a:pPr>
                       <a:r>
-                        <a:rPr lang="ko-KR" altLang="en-US" sz="1400" u="none" strike="noStrike" cap="none" smtClean="0">
+                        <a:rPr lang="ko-KR" altLang="en-US" sz="1400" u="none" strike="noStrike" cap="none">
                           <a:solidFill>
                             <a:schemeClr val="dk1"/>
                           </a:solidFill>
@@ -20178,15 +20238,11 @@
               <a:t>damping balls</a:t>
             </a:r>
             <a:r>
-              <a:rPr lang="en-US" sz="1480" smtClean="0"/>
-              <a:t> </a:t>
+              <a:rPr lang="en-US" sz="1480"/>
+              <a:t> : </a:t>
             </a:r>
             <a:r>
-              <a:rPr lang="en-US" sz="1480"/>
-              <a:t>: </a:t>
-            </a:r>
-            <a:r>
-              <a:rPr lang="en-US" sz="1600" u="sng" smtClean="0">
+              <a:rPr lang="en-US" sz="1600" u="sng">
                 <a:solidFill>
                   <a:schemeClr val="hlink"/>
                 </a:solidFill>
@@ -26175,20 +26231,12 @@
                         <a:buNone/>
                       </a:pPr>
                       <a:r>
-                        <a:rPr lang="en-US" sz="1400" u="none" strike="noStrike" cap="none" smtClean="0">
-                          <a:solidFill>
-                            <a:srgbClr val="FF0000"/>
-                          </a:solidFill>
-                        </a:rPr>
-                        <a:t>불량시 </a:t>
-                      </a:r>
-                      <a:r>
                         <a:rPr lang="en-US" sz="1400" u="none" strike="noStrike" cap="none">
                           <a:solidFill>
                             <a:srgbClr val="FF0000"/>
                           </a:solidFill>
                         </a:rPr>
-                        <a:t>대처</a:t>
+                        <a:t>불량시 대처</a:t>
                       </a:r>
                       <a:endParaRPr sz="1400" u="none" strike="noStrike" cap="none">
                         <a:solidFill>
@@ -27665,7 +27713,7 @@
                         <a:buNone/>
                       </a:pPr>
                       <a:r>
-                        <a:rPr lang="en-US" sz="1400" b="1" u="none" strike="noStrike" cap="none" smtClean="0">
+                        <a:rPr lang="en-US" sz="1400" b="1" u="none" strike="noStrike" cap="none">
                           <a:solidFill>
                             <a:srgbClr val="00B050"/>
                           </a:solidFill>
@@ -28445,7 +28493,7 @@
                         <a:buNone/>
                       </a:pPr>
                       <a:r>
-                        <a:rPr lang="en-US" sz="1400" u="none" strike="noStrike" cap="none" smtClean="0">
+                        <a:rPr lang="en-US" sz="1400" u="none" strike="noStrike" cap="none">
                           <a:solidFill>
                             <a:schemeClr val="dk1"/>
                           </a:solidFill>
@@ -29458,11 +29506,7 @@
             </a:pPr>
             <a:r>
               <a:rPr lang="en-US" sz="1480"/>
-              <a:t>RASPBERRY PI B+ 스타트 키트 블랙에디션 </a:t>
-            </a:r>
-            <a:r>
-              <a:rPr lang="en-US" sz="1480" smtClean="0"/>
-              <a:t>: </a:t>
+              <a:t>RASPBERRY PI B+ 스타트 키트 블랙에디션 : </a:t>
             </a:r>
             <a:endParaRPr/>
           </a:p>
@@ -30034,7 +30078,7 @@
                         <a:buNone/>
                       </a:pPr>
                       <a:r>
-                        <a:rPr lang="ko-KR" altLang="en-US" sz="1400" u="none" strike="noStrike" cap="none" smtClean="0"/>
+                        <a:rPr lang="ko-KR" altLang="en-US" sz="1400" u="none" strike="noStrike" cap="none"/>
                         <a:t>구매</a:t>
                       </a:r>
                       <a:endParaRPr sz="1400" u="none" strike="noStrike" cap="none"/>
@@ -30127,7 +30171,7 @@
                         <a:buNone/>
                       </a:pPr>
                       <a:r>
-                        <a:rPr lang="en-US" sz="1400" u="none" strike="noStrike" cap="none" smtClean="0"/>
+                        <a:rPr lang="en-US" sz="1400" u="none" strike="noStrike" cap="none"/>
                         <a:t>F330</a:t>
                       </a:r>
                       <a:endParaRPr sz="1400" u="none" strike="noStrike" cap="none"/>
@@ -30197,7 +30241,7 @@
                         <a:buNone/>
                       </a:pPr>
                       <a:r>
-                        <a:rPr lang="en-US" sz="1400" u="none" strike="noStrike" cap="none" smtClean="0">
+                        <a:rPr lang="en-US" sz="1400" u="none" strike="noStrike" cap="none">
                           <a:solidFill>
                             <a:schemeClr val="dk1"/>
                           </a:solidFill>
@@ -30231,7 +30275,7 @@
                         <a:buNone/>
                       </a:pPr>
                       <a:r>
-                        <a:rPr lang="ko-KR" altLang="en-US" sz="1400" u="none" strike="noStrike" cap="none" smtClean="0"/>
+                        <a:rPr lang="ko-KR" altLang="en-US" sz="1400" u="none" strike="noStrike" cap="none"/>
                         <a:t>완료</a:t>
                       </a:r>
                       <a:endParaRPr sz="1400" u="none" strike="noStrike" cap="none"/>
@@ -30425,7 +30469,7 @@
                         <a:buNone/>
                       </a:pPr>
                       <a:r>
-                        <a:rPr lang="en-US" sz="1400" u="none" strike="noStrike" cap="none" smtClean="0">
+                        <a:rPr lang="en-US" sz="1400" u="none" strike="noStrike" cap="none">
                           <a:solidFill>
                             <a:schemeClr val="dk1"/>
                           </a:solidFill>
@@ -30459,7 +30503,7 @@
                         <a:buNone/>
                       </a:pPr>
                       <a:r>
-                        <a:rPr lang="ko-KR" altLang="en-US" sz="1400" u="none" strike="noStrike" cap="none" smtClean="0"/>
+                        <a:rPr lang="ko-KR" altLang="en-US" sz="1400" u="none" strike="noStrike" cap="none"/>
                         <a:t>완료</a:t>
                       </a:r>
                       <a:endParaRPr sz="1400" u="none" strike="sngStrike" cap="none">
@@ -30557,18 +30601,10 @@
                             <a:schemeClr val="dk1"/>
                           </a:solidFill>
                         </a:rPr>
-                        <a:t>XT-60 </a:t>
+                        <a:t>XT-60 케이블(</a:t>
                       </a:r>
                       <a:r>
-                        <a:rPr lang="en-US" sz="1400" u="none" strike="noStrike" cap="none" smtClean="0">
-                          <a:solidFill>
-                            <a:schemeClr val="dk1"/>
-                          </a:solidFill>
-                        </a:rPr>
-                        <a:t>케이블(</a:t>
-                      </a:r>
-                      <a:r>
-                        <a:rPr lang="ko-KR" altLang="en-US" sz="1400" u="none" strike="noStrike" cap="none" smtClean="0">
+                        <a:rPr lang="ko-KR" altLang="en-US" sz="1400" u="none" strike="noStrike" cap="none">
                           <a:solidFill>
                             <a:schemeClr val="dk1"/>
                           </a:solidFill>
@@ -30576,7 +30612,7 @@
                         <a:t>스위치</a:t>
                       </a:r>
                       <a:r>
-                        <a:rPr lang="en-US" altLang="ko-KR" sz="1400" u="none" strike="noStrike" cap="none" smtClean="0">
+                        <a:rPr lang="en-US" altLang="ko-KR" sz="1400" u="none" strike="noStrike" cap="none">
                           <a:solidFill>
                             <a:schemeClr val="dk1"/>
                           </a:solidFill>
@@ -30644,7 +30680,7 @@
                         <a:buNone/>
                       </a:pPr>
                       <a:r>
-                        <a:rPr lang="en-US" sz="1400" u="none" strike="noStrike" cap="none" smtClean="0">
+                        <a:rPr lang="en-US" sz="1400" u="none" strike="noStrike" cap="none">
                           <a:solidFill>
                             <a:schemeClr val="dk1"/>
                           </a:solidFill>
@@ -30674,7 +30710,7 @@
                         <a:buNone/>
                       </a:pPr>
                       <a:r>
-                        <a:rPr lang="ko-KR" altLang="en-US" sz="1400" u="none" strike="noStrike" cap="none" smtClean="0"/>
+                        <a:rPr lang="ko-KR" altLang="en-US" sz="1400" u="none" strike="noStrike" cap="none"/>
                         <a:t>완료</a:t>
                       </a:r>
                       <a:endParaRPr sz="1400" u="none" strike="noStrike" cap="none">
@@ -30733,7 +30769,7 @@
                         <a:buNone/>
                       </a:pPr>
                       <a:r>
-                        <a:rPr lang="ko-KR" altLang="en-US" sz="1400" u="none" strike="noStrike" cap="none" smtClean="0">
+                        <a:rPr lang="ko-KR" altLang="en-US" sz="1400" u="none" strike="noStrike" cap="none">
                           <a:solidFill>
                             <a:srgbClr val="FF0000"/>
                           </a:solidFill>
@@ -30772,7 +30808,7 @@
                         <a:buNone/>
                       </a:pPr>
                       <a:r>
-                        <a:rPr lang="ko-KR" altLang="en-US" sz="1400" b="0" i="0" u="none" strike="noStrike" cap="none" smtClean="0">
+                        <a:rPr lang="ko-KR" altLang="en-US" sz="1400" b="0" i="0" u="none" strike="noStrike" cap="none">
                           <a:solidFill>
                             <a:srgbClr val="FF0000"/>
                           </a:solidFill>
@@ -30850,7 +30886,7 @@
                         <a:buNone/>
                       </a:pPr>
                       <a:r>
-                        <a:rPr lang="en-US" sz="1400" u="none" strike="noStrike" cap="none" smtClean="0">
+                        <a:rPr lang="en-US" sz="1400" u="none" strike="noStrike" cap="none">
                           <a:solidFill>
                             <a:srgbClr val="FF0000"/>
                           </a:solidFill>
@@ -31064,7 +31100,7 @@
                         <a:buNone/>
                       </a:pPr>
                       <a:r>
-                        <a:rPr lang="en-US" sz="1400" u="none" strike="sngStrike" cap="none" smtClean="0">
+                        <a:rPr lang="en-US" sz="1400" u="none" strike="sngStrike" cap="none">
                           <a:solidFill>
                             <a:srgbClr val="FF0000"/>
                           </a:solidFill>
@@ -31273,7 +31309,7 @@
                         <a:buNone/>
                       </a:pPr>
                       <a:r>
-                        <a:rPr lang="en-US" sz="1400" u="none" strike="sngStrike" cap="none" smtClean="0">
+                        <a:rPr lang="en-US" sz="1400" u="none" strike="sngStrike" cap="none">
                           <a:solidFill>
                             <a:schemeClr val="tx1">
                               <a:lumMod val="65000"/>
@@ -31313,7 +31349,7 @@
                         <a:buNone/>
                       </a:pPr>
                       <a:r>
-                        <a:rPr lang="ko-KR" altLang="en-US" sz="1400" u="none" strike="sngStrike" cap="none" smtClean="0">
+                        <a:rPr lang="ko-KR" altLang="en-US" sz="1400" u="none" strike="sngStrike" cap="none">
                           <a:solidFill>
                             <a:schemeClr val="tx1">
                               <a:lumMod val="65000"/>
@@ -31525,7 +31561,7 @@
                         <a:buNone/>
                       </a:pPr>
                       <a:r>
-                        <a:rPr lang="en-US" sz="1400" u="none" strike="sngStrike" cap="none" smtClean="0">
+                        <a:rPr lang="en-US" sz="1400" u="none" strike="sngStrike" cap="none">
                           <a:solidFill>
                             <a:schemeClr val="tx1">
                               <a:lumMod val="65000"/>
@@ -31565,7 +31601,7 @@
                         <a:buNone/>
                       </a:pPr>
                       <a:r>
-                        <a:rPr lang="ko-KR" altLang="en-US" sz="1400" u="none" strike="sngStrike" cap="none" smtClean="0">
+                        <a:rPr lang="ko-KR" altLang="en-US" sz="1400" u="none" strike="sngStrike" cap="none">
                           <a:solidFill>
                             <a:schemeClr val="tx1">
                               <a:lumMod val="65000"/>
@@ -31623,18 +31659,13 @@
                     <a:p>
                       <a:pPr algn="ctr"/>
                       <a:r>
-                        <a:rPr lang="en-US" strike="sngStrike" smtClean="0">
+                        <a:rPr lang="en-US" strike="sngStrike">
                           <a:solidFill>
                             <a:srgbClr val="FF0000"/>
                           </a:solidFill>
                         </a:rPr>
                         <a:t>SmartPort Converter</a:t>
                       </a:r>
-                      <a:endParaRPr lang="en-US" strike="sngStrike">
-                        <a:solidFill>
-                          <a:srgbClr val="FF0000"/>
-                        </a:solidFill>
-                      </a:endParaRPr>
                     </a:p>
                   </a:txBody>
                   <a:tcPr marL="91450" marR="91450" marT="45725" marB="45725" anchor="ctr"/>
@@ -31645,7 +31676,7 @@
                     <a:lstStyle/>
                     <a:p>
                       <a:r>
-                        <a:rPr lang="en-US" sz="1400" b="0" i="0" u="none" strike="sngStrike" cap="none" baseline="0" smtClean="0">
+                        <a:rPr lang="en-US" sz="1400" b="0" i="0" u="none" strike="sngStrike" cap="none" baseline="0">
                           <a:solidFill>
                             <a:srgbClr val="FF0000"/>
                           </a:solidFill>
@@ -31686,18 +31717,13 @@
                     <a:p>
                       <a:pPr algn="ctr"/>
                       <a:r>
-                        <a:rPr lang="en-US" strike="sngStrike" smtClean="0">
+                        <a:rPr lang="en-US" strike="sngStrike">
                           <a:solidFill>
                             <a:srgbClr val="FF0000"/>
                           </a:solidFill>
                         </a:rPr>
                         <a:t>1</a:t>
                       </a:r>
-                      <a:endParaRPr lang="en-US" strike="sngStrike">
-                        <a:solidFill>
-                          <a:srgbClr val="FF0000"/>
-                        </a:solidFill>
-                      </a:endParaRPr>
                     </a:p>
                   </a:txBody>
                   <a:tcPr marL="91450" marR="91450" marT="45725" marB="45725" anchor="ctr"/>
@@ -31977,11 +32003,7 @@
             </a:pPr>
             <a:r>
               <a:rPr lang="en-US" sz="3959"/>
-              <a:t>NAVIO 드론 본체 조립 1안 상세 </a:t>
-            </a:r>
-            <a:r>
-              <a:rPr lang="en-US" sz="3959" smtClean="0"/>
-              <a:t>정보 1</a:t>
+              <a:t>NAVIO 드론 본체 조립 1안 상세 정보 1</a:t>
             </a:r>
             <a:endParaRPr sz="3959"/>
           </a:p>
@@ -32206,18 +32228,9 @@
                 </a:solidFill>
                 <a:hlinkClick r:id="rId3"/>
               </a:rPr>
-              <a:t>http://</a:t>
+              <a:t>http://www.allfirstedu.co.kr/goods/goods_view.php?goodsNo=1000001111&amp;inflow=naver&amp;NaPm=ct%3Djx5ixybc%7Cci%3De0e61ce9e241ed32f986af78597cc895c54df335%7Ctr%3Dsls%7Csn%3D422417%7Chk%3D8d88e875df09e7258a178e598e200b07152e7ace</a:t>
             </a:r>
-            <a:r>
-              <a:rPr lang="en-US" sz="1480" u="sng" smtClean="0">
-                <a:solidFill>
-                  <a:schemeClr val="hlink"/>
-                </a:solidFill>
-                <a:hlinkClick r:id="rId3"/>
-              </a:rPr>
-              <a:t>www.allfirstedu.co.kr/goods/goods_view.php?goodsNo=1000001111&amp;inflow=naver&amp;NaPm=ct%3Djx5ixybc%7Cci%3De0e61ce9e241ed32f986af78597cc895c54df335%7Ctr%3Dsls%7Csn%3D422417%7Chk%3D8d88e875df09e7258a178e598e200b07152e7ace</a:t>
-            </a:r>
-            <a:endParaRPr lang="en-US" sz="1480" u="sng" smtClean="0">
+            <a:endParaRPr lang="en-US" sz="1480" u="sng">
               <a:solidFill>
                 <a:schemeClr val="hlink"/>
               </a:solidFill>
@@ -32631,11 +32644,7 @@
             </a:pPr>
             <a:r>
               <a:rPr lang="en-US" sz="3959"/>
-              <a:t>NAVIO 드론 본체 조립 1안 상세 </a:t>
-            </a:r>
-            <a:r>
-              <a:rPr lang="en-US" sz="3959" smtClean="0"/>
-              <a:t>정보 2</a:t>
+              <a:t>NAVIO 드론 본체 조립 1안 상세 정보 2</a:t>
             </a:r>
             <a:endParaRPr sz="3959"/>
           </a:p>
@@ -32832,11 +32841,7 @@
             </a:pPr>
             <a:r>
               <a:rPr lang="en-US" sz="1600"/>
-              <a:t>MavLink to FrSky SmartPort </a:t>
-            </a:r>
-            <a:r>
-              <a:rPr lang="en-US" sz="1600" smtClean="0"/>
-              <a:t>Converter</a:t>
+              <a:t>MavLink to FrSky SmartPort Converter</a:t>
             </a:r>
           </a:p>
           <a:p>
@@ -32868,10 +32873,10 @@
               <a:t>XT-60 </a:t>
             </a:r>
             <a:r>
-              <a:rPr lang="ko-KR" altLang="en-US" sz="1600" smtClean="0"/>
+              <a:rPr lang="ko-KR" altLang="en-US" sz="1600"/>
               <a:t>스위치</a:t>
             </a:r>
-            <a:endParaRPr lang="en-US" altLang="ko-KR" sz="1600" smtClean="0"/>
+            <a:endParaRPr lang="en-US" altLang="ko-KR" sz="1600"/>
           </a:p>
           <a:p>
             <a:pPr marL="685800" lvl="1" indent="-228600">
@@ -32894,10 +32899,10 @@
               <a:buChar char="•"/>
             </a:pPr>
             <a:r>
-              <a:rPr lang="ko-KR" altLang="en-US" sz="1600" smtClean="0"/>
+              <a:rPr lang="ko-KR" altLang="en-US" sz="1600"/>
               <a:t>미니 스위치</a:t>
             </a:r>
-            <a:endParaRPr lang="en-US" altLang="ko-KR" sz="1600" smtClean="0"/>
+            <a:endParaRPr lang="en-US" altLang="ko-KR" sz="1600"/>
           </a:p>
           <a:p>
             <a:pPr marL="685800" lvl="1" indent="-228600">
